--- a/presentation-of-findings-cap03.pptx
+++ b/presentation-of-findings-cap03.pptx
@@ -294,7 +294,7 @@
   </p:defaultTextStyle>
   <p:extLst>
     <p:ext uri="{EFAFB233-063F-42B5-8137-9DF3F51BA10A}">
-      <p15:sldGuideLst xmlns:ahyp="http://schemas.microsoft.com/office/drawing/2018/hyperlinkcolor" xmlns:p15="http://schemas.microsoft.com/office/powerpoint/2012/main" xmlns:p14="http://schemas.microsoft.com/office/powerpoint/2010/main" xmlns:com="http://schemas.openxmlformats.org/drawingml/2006/compatibility" xmlns:pvml="urn:schemas-microsoft-com:office:powerpoint" xmlns:v="urn:schemas-microsoft-com:vml" xmlns:o="urn:schemas-microsoft-com:office:office" xmlns:dgm="http://schemas.openxmlformats.org/drawingml/2006/diagram" xmlns:c="http://schemas.openxmlformats.org/drawingml/2006/chart" xmlns:mv="urn:schemas-microsoft-com:mac:vml" xmlns:mc="http://schemas.openxmlformats.org/markup-compatibility/2006" xmlns="">
+      <p15:sldGuideLst xmlns="" xmlns:mc="http://schemas.openxmlformats.org/markup-compatibility/2006" xmlns:mv="urn:schemas-microsoft-com:mac:vml" xmlns:c="http://schemas.openxmlformats.org/drawingml/2006/chart" xmlns:dgm="http://schemas.openxmlformats.org/drawingml/2006/diagram" xmlns:o="urn:schemas-microsoft-com:office:office" xmlns:v="urn:schemas-microsoft-com:vml" xmlns:pvml="urn:schemas-microsoft-com:office:powerpoint" xmlns:com="http://schemas.openxmlformats.org/drawingml/2006/compatibility" xmlns:p14="http://schemas.microsoft.com/office/powerpoint/2010/main" xmlns:p15="http://schemas.microsoft.com/office/powerpoint/2012/main" xmlns:ahyp="http://schemas.microsoft.com/office/drawing/2018/hyperlinkcolor">
         <p15:guide id="1" orient="horz" pos="1620">
           <p15:clr>
             <a:srgbClr val="A4A3A4"/>
@@ -2283,7 +2283,7 @@
             <a:fld id="{4421CBBC-0FE8-4C0F-838F-6E760AD84306}" type="datetimeFigureOut">
               <a:rPr lang="en-US" smtClean="0"/>
               <a:pPr/>
-              <a:t>10/15/2020</a:t>
+              <a:t>10/16/2020</a:t>
             </a:fld>
             <a:endParaRPr lang="en-US"/>
           </a:p>
@@ -2468,7 +2468,7 @@
             <a:fld id="{4421CBBC-0FE8-4C0F-838F-6E760AD84306}" type="datetimeFigureOut">
               <a:rPr lang="en-US" smtClean="0"/>
               <a:pPr/>
-              <a:t>10/15/2020</a:t>
+              <a:t>10/16/2020</a:t>
             </a:fld>
             <a:endParaRPr lang="en-US"/>
           </a:p>
@@ -2663,7 +2663,7 @@
             <a:fld id="{4421CBBC-0FE8-4C0F-838F-6E760AD84306}" type="datetimeFigureOut">
               <a:rPr lang="en-US" smtClean="0"/>
               <a:pPr/>
-              <a:t>10/15/2020</a:t>
+              <a:t>10/16/2020</a:t>
             </a:fld>
             <a:endParaRPr lang="en-US"/>
           </a:p>
@@ -4199,7 +4199,7 @@
             <a:fld id="{4421CBBC-0FE8-4C0F-838F-6E760AD84306}" type="datetimeFigureOut">
               <a:rPr lang="en-US" smtClean="0"/>
               <a:pPr/>
-              <a:t>10/15/2020</a:t>
+              <a:t>10/16/2020</a:t>
             </a:fld>
             <a:endParaRPr lang="en-US"/>
           </a:p>
@@ -4461,7 +4461,7 @@
             <a:fld id="{4421CBBC-0FE8-4C0F-838F-6E760AD84306}" type="datetimeFigureOut">
               <a:rPr lang="en-US" smtClean="0"/>
               <a:pPr/>
-              <a:t>10/15/2020</a:t>
+              <a:t>10/16/2020</a:t>
             </a:fld>
             <a:endParaRPr lang="en-US"/>
           </a:p>
@@ -4745,7 +4745,7 @@
             <a:fld id="{4421CBBC-0FE8-4C0F-838F-6E760AD84306}" type="datetimeFigureOut">
               <a:rPr lang="en-US" smtClean="0"/>
               <a:pPr/>
-              <a:t>10/15/2020</a:t>
+              <a:t>10/16/2020</a:t>
             </a:fld>
             <a:endParaRPr lang="en-US"/>
           </a:p>
@@ -5143,7 +5143,7 @@
             <a:fld id="{4421CBBC-0FE8-4C0F-838F-6E760AD84306}" type="datetimeFigureOut">
               <a:rPr lang="en-US" smtClean="0"/>
               <a:pPr/>
-              <a:t>10/15/2020</a:t>
+              <a:t>10/16/2020</a:t>
             </a:fld>
             <a:endParaRPr lang="en-US"/>
           </a:p>
@@ -5313,7 +5313,7 @@
             <a:fld id="{4421CBBC-0FE8-4C0F-838F-6E760AD84306}" type="datetimeFigureOut">
               <a:rPr lang="en-US" smtClean="0"/>
               <a:pPr/>
-              <a:t>10/15/2020</a:t>
+              <a:t>10/16/2020</a:t>
             </a:fld>
             <a:endParaRPr lang="en-US"/>
           </a:p>
@@ -5423,7 +5423,7 @@
             <a:fld id="{4421CBBC-0FE8-4C0F-838F-6E760AD84306}" type="datetimeFigureOut">
               <a:rPr lang="en-US" smtClean="0"/>
               <a:pPr/>
-              <a:t>10/15/2020</a:t>
+              <a:t>10/16/2020</a:t>
             </a:fld>
             <a:endParaRPr lang="en-US"/>
           </a:p>
@@ -5703,7 +5703,7 @@
             <a:fld id="{4421CBBC-0FE8-4C0F-838F-6E760AD84306}" type="datetimeFigureOut">
               <a:rPr lang="en-US" smtClean="0"/>
               <a:pPr/>
-              <a:t>10/15/2020</a:t>
+              <a:t>10/16/2020</a:t>
             </a:fld>
             <a:endParaRPr lang="en-US"/>
           </a:p>
@@ -6011,7 +6011,7 @@
             <a:fld id="{4421CBBC-0FE8-4C0F-838F-6E760AD84306}" type="datetimeFigureOut">
               <a:rPr lang="en-US" smtClean="0"/>
               <a:pPr/>
-              <a:t>10/15/2020</a:t>
+              <a:t>10/16/2020</a:t>
             </a:fld>
             <a:endParaRPr lang="en-US"/>
           </a:p>
@@ -6802,7 +6802,7 @@
             <a:fld id="{4421CBBC-0FE8-4C0F-838F-6E760AD84306}" type="datetimeFigureOut">
               <a:rPr lang="en-US" smtClean="0"/>
               <a:pPr/>
-              <a:t>10/15/2020</a:t>
+              <a:t>10/16/2020</a:t>
             </a:fld>
             <a:endParaRPr lang="en-US"/>
           </a:p>
@@ -7494,7 +7494,31 @@
                 <a:cs typeface="Raleway Thin"/>
                 <a:sym typeface="Raleway Thin"/>
               </a:rPr>
-              <a:t>Spotify Music Genre Cluster Analysis</a:t>
+              <a:t>Spotify Music </a:t>
+            </a:r>
+            <a:r>
+              <a:rPr lang="en" sz="5400" dirty="0" smtClean="0">
+                <a:solidFill>
+                  <a:schemeClr val="accent3"/>
+                </a:solidFill>
+                <a:latin typeface="Raleway Thin" charset="0"/>
+                <a:ea typeface="Raleway Thin"/>
+                <a:cs typeface="Raleway Thin"/>
+                <a:sym typeface="Raleway Thin"/>
+              </a:rPr>
+              <a:t>Cluster </a:t>
+            </a:r>
+            <a:r>
+              <a:rPr lang="en" sz="5400" dirty="0" smtClean="0">
+                <a:solidFill>
+                  <a:schemeClr val="accent3"/>
+                </a:solidFill>
+                <a:latin typeface="Raleway Thin" charset="0"/>
+                <a:ea typeface="Raleway Thin"/>
+                <a:cs typeface="Raleway Thin"/>
+                <a:sym typeface="Raleway Thin"/>
+              </a:rPr>
+              <a:t>Analysis</a:t>
             </a:r>
             <a:endParaRPr sz="5400" dirty="0">
               <a:solidFill>
@@ -7542,6 +7566,10 @@
               </a:spcAft>
               <a:buNone/>
             </a:pPr>
+            <a:r>
+              <a:rPr lang="en-US" dirty="0" smtClean="0"/>
+              <a:t> </a:t>
+            </a:r>
             <a:endParaRPr dirty="0"/>
           </a:p>
         </p:txBody>
@@ -7640,7 +7668,7 @@
         <p:spPr>
           <a:xfrm>
             <a:off x="725390" y="1593816"/>
-            <a:ext cx="7565510" cy="3000821"/>
+            <a:ext cx="7565510" cy="2585323"/>
           </a:xfrm>
           <a:prstGeom prst="rect">
             <a:avLst/>
@@ -7671,8 +7699,15 @@
                 <a:latin typeface="Lato"/>
                 <a:sym typeface="Lato"/>
               </a:rPr>
-              <a:t>The danceability scores for hip hop and disco were generally larger than the other genres, metal and classical had the lowest danceability scores.</a:t>
-            </a:r>
+              <a:t>Many of the clusters had a very diverse population of all of the genres</a:t>
+            </a:r>
+            <a:endParaRPr lang="en" sz="1800" dirty="0" smtClean="0">
+              <a:solidFill>
+                <a:srgbClr val="FFFFFF"/>
+              </a:solidFill>
+              <a:latin typeface="Lato"/>
+              <a:sym typeface="Lato"/>
+            </a:endParaRPr>
           </a:p>
           <a:p>
             <a:pPr marL="457200" indent="-274320">
@@ -7691,7 +7726,7 @@
                   <a:schemeClr val="bg1"/>
                 </a:solidFill>
               </a:rPr>
-              <a:t>The energy scores for metal were generally larger than the other genres, blues, jazz and classical had the lowest energy scores.</a:t>
+              <a:t>Only one of the clusters for each audio feature had a high percentage of one or two of the genres.</a:t>
             </a:r>
           </a:p>
           <a:p>
@@ -7706,6 +7741,31 @@
               <a:buChar char="•"/>
             </a:pPr>
             <a:r>
+              <a:rPr lang="en-US" sz="1800" dirty="0" smtClean="0">
+                <a:solidFill>
+                  <a:schemeClr val="bg1"/>
+                </a:solidFill>
+              </a:rPr>
+              <a:t>Audio features are the best way to group musical performers</a:t>
+            </a:r>
+            <a:endParaRPr lang="en-US" sz="1800" dirty="0" smtClean="0">
+              <a:solidFill>
+                <a:schemeClr val="bg1"/>
+              </a:solidFill>
+            </a:endParaRPr>
+          </a:p>
+          <a:p>
+            <a:pPr marL="457200" indent="-274320">
+              <a:lnSpc>
+                <a:spcPct val="150000"/>
+              </a:lnSpc>
+              <a:buClr>
+                <a:schemeClr val="bg1"/>
+              </a:buClr>
+              <a:buFont typeface="Arial" pitchFamily="34" charset="0"/>
+              <a:buChar char="•"/>
+            </a:pPr>
+            <a:r>
               <a:rPr lang="en" sz="1800" dirty="0" smtClean="0">
                 <a:solidFill>
                   <a:srgbClr val="FFFFFF"/>
@@ -7713,57 +7773,7 @@
                 <a:latin typeface="Lato"/>
                 <a:sym typeface="Lato"/>
               </a:rPr>
-              <a:t>The </a:t>
-            </a:r>
-            <a:r>
-              <a:rPr lang="en" sz="1800" dirty="0" smtClean="0">
-                <a:solidFill>
-                  <a:srgbClr val="FFFFFF"/>
-                </a:solidFill>
-                <a:latin typeface="Lato"/>
-                <a:sym typeface="Lato"/>
-              </a:rPr>
-              <a:t>speechiness </a:t>
-            </a:r>
-            <a:r>
-              <a:rPr lang="en" sz="1800" dirty="0" smtClean="0">
-                <a:solidFill>
-                  <a:srgbClr val="FFFFFF"/>
-                </a:solidFill>
-                <a:latin typeface="Lato"/>
-                <a:sym typeface="Lato"/>
-              </a:rPr>
-              <a:t>scores for hip hop </a:t>
-            </a:r>
-            <a:r>
-              <a:rPr lang="en" sz="1800" dirty="0" smtClean="0">
-                <a:solidFill>
-                  <a:srgbClr val="FFFFFF"/>
-                </a:solidFill>
-                <a:latin typeface="Lato"/>
-                <a:sym typeface="Lato"/>
-              </a:rPr>
-              <a:t>were </a:t>
-            </a:r>
-            <a:r>
-              <a:rPr lang="en" sz="1800" dirty="0" smtClean="0">
-                <a:solidFill>
-                  <a:srgbClr val="FFFFFF"/>
-                </a:solidFill>
-                <a:latin typeface="Lato"/>
-                <a:sym typeface="Lato"/>
-              </a:rPr>
-              <a:t>generally larger than the other genres, metal and classical had the lowest </a:t>
-            </a:r>
-            <a:r>
-              <a:rPr lang="en" sz="1800" dirty="0" smtClean="0">
-                <a:solidFill>
-                  <a:srgbClr val="FFFFFF"/>
-                </a:solidFill>
-                <a:latin typeface="Lato"/>
-                <a:sym typeface="Lato"/>
-              </a:rPr>
-              <a:t>speechiness scores.</a:t>
+              <a:t>It  is difficult to group musical performers by genre given the audio features.</a:t>
             </a:r>
             <a:endParaRPr lang="en" sz="1800" dirty="0" smtClean="0">
               <a:solidFill>
@@ -8015,6 +8025,10 @@
           <a:bodyPr/>
           <a:lstStyle/>
           <a:p>
+            <a:r>
+              <a:rPr lang="en-US" dirty="0" smtClean="0"/>
+              <a:t> </a:t>
+            </a:r>
             <a:endParaRPr lang="en-US" dirty="0"/>
           </a:p>
         </p:txBody>
@@ -8127,7 +8141,60 @@
         <p:spPr>
           <a:xfrm>
             <a:off x="729450" y="1322450"/>
-            <a:ext cx="7688400" cy="600134"/>
+            <a:ext cx="7688400" cy="1015632"/>
+          </a:xfrm>
+          <a:prstGeom prst="rect">
+            <a:avLst/>
+          </a:prstGeom>
+          <a:noFill/>
+        </p:spPr>
+        <p:txBody>
+          <a:bodyPr wrap="square" rtlCol="0">
+            <a:spAutoFit/>
+          </a:bodyPr>
+          <a:lstStyle/>
+          <a:p>
+            <a:pPr marL="457200" indent="-274320">
+              <a:lnSpc>
+                <a:spcPct val="150000"/>
+              </a:lnSpc>
+              <a:buClr>
+                <a:schemeClr val="bg1"/>
+              </a:buClr>
+            </a:pPr>
+            <a:r>
+              <a:rPr lang="en" sz="1800" dirty="0" smtClean="0">
+                <a:solidFill>
+                  <a:srgbClr val="FFFFFF"/>
+                </a:solidFill>
+                <a:latin typeface="Lato"/>
+                <a:sym typeface="Lato"/>
+              </a:rPr>
+              <a:t/>
+            </a:r>
+            <a:br>
+              <a:rPr lang="en" sz="1800" dirty="0" smtClean="0">
+                <a:solidFill>
+                  <a:srgbClr val="FFFFFF"/>
+                </a:solidFill>
+                <a:latin typeface="Lato"/>
+                <a:sym typeface="Lato"/>
+              </a:rPr>
+            </a:br>
+            <a:endParaRPr lang="en-US" sz="1800" dirty="0"/>
+          </a:p>
+        </p:txBody>
+      </p:sp>
+      <p:sp>
+        <p:nvSpPr>
+          <p:cNvPr id="5" name="TextBox 4"/>
+          <p:cNvSpPr txBox="1"/>
+          <p:nvPr/>
+        </p:nvSpPr>
+        <p:spPr>
+          <a:xfrm>
+            <a:off x="792298" y="1219200"/>
+            <a:ext cx="7565510" cy="3416320"/>
           </a:xfrm>
           <a:prstGeom prst="rect">
             <a:avLst/>
@@ -8156,13 +8223,81 @@
                   <a:srgbClr val="FFFFFF"/>
                 </a:solidFill>
                 <a:latin typeface="Lato"/>
-                <a:ea typeface="Lato"/>
-                <a:cs typeface="Lato"/>
                 <a:sym typeface="Lato"/>
               </a:rPr>
-              <a:t>Point</a:t>
-            </a:r>
-            <a:endParaRPr lang="en-US" sz="1800" dirty="0"/>
+              <a:t>This </a:t>
+            </a:r>
+            <a:r>
+              <a:rPr lang="en" sz="1800" dirty="0" smtClean="0">
+                <a:solidFill>
+                  <a:srgbClr val="FFFFFF"/>
+                </a:solidFill>
+                <a:latin typeface="Lato"/>
+                <a:sym typeface="Lato"/>
+              </a:rPr>
+              <a:t>data can be used by music festival promoters, such as Bonaroo and other diverse music </a:t>
+            </a:r>
+            <a:r>
+              <a:rPr lang="en" sz="1800" dirty="0" smtClean="0">
+                <a:solidFill>
+                  <a:srgbClr val="FFFFFF"/>
+                </a:solidFill>
+                <a:latin typeface="Lato"/>
+                <a:sym typeface="Lato"/>
+              </a:rPr>
+              <a:t>festivals</a:t>
+            </a:r>
+          </a:p>
+          <a:p>
+            <a:pPr marL="457200" indent="-274320">
+              <a:lnSpc>
+                <a:spcPct val="150000"/>
+              </a:lnSpc>
+              <a:buClr>
+                <a:schemeClr val="bg1"/>
+              </a:buClr>
+              <a:buFont typeface="Arial" pitchFamily="34" charset="0"/>
+              <a:buChar char="•"/>
+            </a:pPr>
+            <a:r>
+              <a:rPr lang="en" sz="1800" dirty="0" smtClean="0">
+                <a:solidFill>
+                  <a:srgbClr val="FFFFFF"/>
+                </a:solidFill>
+                <a:latin typeface="Lato"/>
+                <a:sym typeface="Lato"/>
+              </a:rPr>
+              <a:t>These festivals usually have many different stages.  The promoters can ‘cluster’ the performers by the grouping data so that people don’t have to walk between the different tents to see the type of music that they prefer.  For example, high enery music can be on one stage, while high danceability and speechiness music can be on another stage.</a:t>
+            </a:r>
+          </a:p>
+          <a:p>
+            <a:pPr marL="457200" indent="-274320">
+              <a:lnSpc>
+                <a:spcPct val="150000"/>
+              </a:lnSpc>
+              <a:buClr>
+                <a:schemeClr val="bg1"/>
+              </a:buClr>
+              <a:buFont typeface="Arial" pitchFamily="34" charset="0"/>
+              <a:buChar char="•"/>
+            </a:pPr>
+            <a:r>
+              <a:rPr lang="en" sz="1800" dirty="0" smtClean="0">
+                <a:solidFill>
+                  <a:srgbClr val="FFFFFF"/>
+                </a:solidFill>
+                <a:latin typeface="Lato"/>
+                <a:sym typeface="Lato"/>
+              </a:rPr>
+              <a:t>It doesn’t matter what genre is on what stage</a:t>
+            </a:r>
+            <a:endParaRPr lang="en" sz="1800" dirty="0" smtClean="0">
+              <a:solidFill>
+                <a:srgbClr val="FFFFFF"/>
+              </a:solidFill>
+              <a:latin typeface="Lato"/>
+              <a:sym typeface="Lato"/>
+            </a:endParaRPr>
           </a:p>
         </p:txBody>
       </p:sp>
@@ -8589,8 +8724,8 @@
         </p:nvSpPr>
         <p:spPr>
           <a:xfrm>
-            <a:off x="4572000" y="580398"/>
-            <a:ext cx="4572000" cy="1433526"/>
+            <a:off x="4572000" y="498088"/>
+            <a:ext cx="4572000" cy="1188734"/>
           </a:xfrm>
           <a:prstGeom prst="rect">
             <a:avLst/>
@@ -8617,7 +8752,7 @@
               <a:buChar char="•"/>
             </a:pPr>
             <a:r>
-              <a:rPr lang="en-US" sz="1400" dirty="0" smtClean="0">
+              <a:rPr lang="en-US" sz="1200" dirty="0" smtClean="0">
                 <a:solidFill>
                   <a:schemeClr val="dk1"/>
                 </a:solidFill>
@@ -8625,8 +8760,60 @@
                   <a:srgbClr val="FFFFFF"/>
                 </a:highlight>
               </a:rPr>
-              <a:t>Question: Is there a way to categorize a particular song directly to a music genre based on certain musical traits?</a:t>
-            </a:r>
+              <a:t>Question: </a:t>
+            </a:r>
+            <a:r>
+              <a:rPr lang="en-US" sz="1200" dirty="0" smtClean="0">
+                <a:solidFill>
+                  <a:schemeClr val="dk1"/>
+                </a:solidFill>
+                <a:highlight>
+                  <a:srgbClr val="FFFFFF"/>
+                </a:highlight>
+              </a:rPr>
+              <a:t>Is there a way to cluster music and performers into groups by using th</a:t>
+            </a:r>
+            <a:r>
+              <a:rPr lang="en-US" sz="1200" dirty="0" smtClean="0">
+                <a:solidFill>
+                  <a:schemeClr val="dk1"/>
+                </a:solidFill>
+                <a:highlight>
+                  <a:srgbClr val="FFFFFF"/>
+                </a:highlight>
+              </a:rPr>
+              <a:t>e music genre or the musical audio features of a song </a:t>
+            </a:r>
+            <a:r>
+              <a:rPr lang="en-US" sz="1200" dirty="0" smtClean="0">
+                <a:solidFill>
+                  <a:schemeClr val="dk1"/>
+                </a:solidFill>
+                <a:highlight>
+                  <a:srgbClr val="FFFFFF"/>
+                </a:highlight>
+              </a:rPr>
+              <a:t>as defined by </a:t>
+            </a:r>
+            <a:r>
+              <a:rPr lang="en-US" sz="1200" dirty="0" smtClean="0">
+                <a:solidFill>
+                  <a:schemeClr val="dk1"/>
+                </a:solidFill>
+                <a:highlight>
+                  <a:srgbClr val="FFFFFF"/>
+                </a:highlight>
+              </a:rPr>
+              <a:t>Spotify?</a:t>
+            </a:r>
+            <a:endParaRPr lang="en-US" sz="1200" dirty="0" smtClean="0">
+              <a:solidFill>
+                <a:schemeClr val="dk1"/>
+              </a:solidFill>
+              <a:highlight>
+                <a:srgbClr val="FFFFFF"/>
+              </a:highlight>
+            </a:endParaRPr>
           </a:p>
           <a:p>
             <a:pPr indent="-274320">
@@ -8644,7 +8831,7 @@
               <a:buChar char="•"/>
             </a:pPr>
             <a:r>
-              <a:rPr lang="en-US" sz="1400" dirty="0" smtClean="0">
+              <a:rPr lang="en-US" sz="1200" dirty="0" smtClean="0">
                 <a:solidFill>
                   <a:schemeClr val="dk1"/>
                 </a:solidFill>
@@ -8652,27 +8839,8 @@
                   <a:srgbClr val="FFFFFF"/>
                 </a:highlight>
               </a:rPr>
-              <a:t>Music g</a:t>
-            </a:r>
-            <a:r>
-              <a:rPr lang="en-US" sz="1400" dirty="0" smtClean="0">
-                <a:solidFill>
-                  <a:schemeClr val="dk1"/>
-                </a:solidFill>
-                <a:highlight>
-                  <a:srgbClr val="FFFFFF"/>
-                </a:highlight>
-              </a:rPr>
-              <a:t>enres analyzed:</a:t>
-            </a:r>
-            <a:endParaRPr lang="en-US" sz="1400" dirty="0" smtClean="0">
-              <a:solidFill>
-                <a:schemeClr val="dk1"/>
-              </a:solidFill>
-              <a:highlight>
-                <a:srgbClr val="FFFFFF"/>
-              </a:highlight>
-            </a:endParaRPr>
+              <a:t>Music genres analyzed:</a:t>
+            </a:r>
           </a:p>
         </p:txBody>
       </p:sp>
@@ -8970,8 +9138,8 @@
         </p:nvSpPr>
         <p:spPr>
           <a:xfrm>
-            <a:off x="5133917" y="2013925"/>
-            <a:ext cx="1614692" cy="1553918"/>
+            <a:off x="5133917" y="1672683"/>
+            <a:ext cx="1614692" cy="1360449"/>
           </a:xfrm>
           <a:prstGeom prst="rect">
             <a:avLst/>
@@ -8984,9 +9152,6 @@
           <a:lstStyle/>
           <a:p>
             <a:pPr marL="457200" marR="0" lvl="0" indent="-274320" algn="l" defTabSz="914400" rtl="0" eaLnBrk="1" fontAlgn="auto" latinLnBrk="0" hangingPunct="1">
-              <a:lnSpc>
-                <a:spcPct val="150000"/>
-              </a:lnSpc>
               <a:spcBef>
                 <a:spcPts val="600"/>
               </a:spcBef>
@@ -9019,9 +9184,6 @@
           </a:p>
           <a:p>
             <a:pPr marL="457200" marR="0" lvl="0" indent="-274320" algn="l" defTabSz="914400" rtl="0" eaLnBrk="1" fontAlgn="auto" latinLnBrk="0" hangingPunct="1">
-              <a:lnSpc>
-                <a:spcPct val="150000"/>
-              </a:lnSpc>
               <a:spcBef>
                 <a:spcPts val="600"/>
               </a:spcBef>
@@ -9060,9 +9222,6 @@
           </a:p>
           <a:p>
             <a:pPr marL="457200" marR="0" lvl="0" indent="-274320" algn="l" defTabSz="914400" rtl="0" eaLnBrk="1" fontAlgn="auto" latinLnBrk="0" hangingPunct="1">
-              <a:lnSpc>
-                <a:spcPct val="150000"/>
-              </a:lnSpc>
               <a:spcBef>
                 <a:spcPts val="600"/>
               </a:spcBef>
@@ -9095,9 +9254,6 @@
           </a:p>
           <a:p>
             <a:pPr marL="457200" marR="0" lvl="0" indent="-274320" algn="l" defTabSz="914400" rtl="0" eaLnBrk="1" fontAlgn="auto" latinLnBrk="0" hangingPunct="1">
-              <a:lnSpc>
-                <a:spcPct val="150000"/>
-              </a:lnSpc>
               <a:spcBef>
                 <a:spcPts val="600"/>
               </a:spcBef>
@@ -9136,9 +9292,6 @@
           </a:p>
           <a:p>
             <a:pPr marL="457200" marR="0" lvl="0" indent="-274320" algn="l" defTabSz="914400" rtl="0" eaLnBrk="1" fontAlgn="auto" latinLnBrk="0" hangingPunct="1">
-              <a:lnSpc>
-                <a:spcPct val="150000"/>
-              </a:lnSpc>
               <a:spcBef>
                 <a:spcPts val="600"/>
               </a:spcBef>
@@ -9198,7 +9351,7 @@
         </p:nvSpPr>
         <p:spPr>
           <a:xfrm>
-            <a:off x="6591534" y="2041973"/>
+            <a:off x="6561798" y="1662831"/>
             <a:ext cx="1301478" cy="1202738"/>
           </a:xfrm>
           <a:prstGeom prst="rect">
@@ -9212,9 +9365,6 @@
           <a:lstStyle/>
           <a:p>
             <a:pPr marL="457200" marR="0" lvl="0" indent="-274320" algn="l" defTabSz="914400" rtl="0" eaLnBrk="1" fontAlgn="auto" latinLnBrk="0" hangingPunct="1">
-              <a:lnSpc>
-                <a:spcPct val="150000"/>
-              </a:lnSpc>
               <a:spcBef>
                 <a:spcPts val="600"/>
               </a:spcBef>
@@ -9231,7 +9381,7 @@
               <a:defRPr/>
             </a:pPr>
             <a:r>
-              <a:rPr kumimoji="0" lang="en-US" sz="1000" b="0" i="1" u="none" strike="noStrike" kern="1200" cap="none" spc="0" normalizeH="0" baseline="0" noProof="0" dirty="0" smtClean="0">
+              <a:rPr kumimoji="0" lang="en-US" sz="900" b="0" u="none" strike="noStrike" kern="1200" cap="none" spc="0" normalizeH="0" baseline="0" noProof="0" dirty="0" smtClean="0">
                 <a:ln>
                   <a:noFill/>
                 </a:ln>
@@ -9253,9 +9403,6 @@
           </a:p>
           <a:p>
             <a:pPr marL="457200" marR="0" lvl="0" indent="-274320" algn="l" defTabSz="914400" rtl="0" eaLnBrk="1" fontAlgn="auto" latinLnBrk="0" hangingPunct="1">
-              <a:lnSpc>
-                <a:spcPct val="150000"/>
-              </a:lnSpc>
               <a:spcBef>
                 <a:spcPts val="600"/>
               </a:spcBef>
@@ -9272,7 +9419,7 @@
               <a:defRPr/>
             </a:pPr>
             <a:r>
-              <a:rPr lang="en-US" sz="1000" i="1" kern="1200" dirty="0" smtClean="0">
+              <a:rPr lang="en-US" sz="1000" kern="1200" dirty="0" smtClean="0">
                 <a:solidFill>
                   <a:schemeClr val="dk1"/>
                 </a:solidFill>
@@ -9288,9 +9435,6 @@
           </a:p>
           <a:p>
             <a:pPr marL="457200" marR="0" lvl="0" indent="-274320" algn="l" defTabSz="914400" rtl="0" eaLnBrk="1" fontAlgn="auto" latinLnBrk="0" hangingPunct="1">
-              <a:lnSpc>
-                <a:spcPct val="150000"/>
-              </a:lnSpc>
               <a:spcBef>
                 <a:spcPts val="600"/>
               </a:spcBef>
@@ -9307,7 +9451,7 @@
               <a:defRPr/>
             </a:pPr>
             <a:r>
-              <a:rPr kumimoji="0" lang="en-US" sz="1000" b="0" i="1" u="none" strike="noStrike" kern="1200" cap="none" spc="0" normalizeH="0" baseline="0" noProof="0" dirty="0" smtClean="0">
+              <a:rPr kumimoji="0" lang="en-US" sz="900" b="0" u="none" strike="noStrike" kern="1200" cap="none" spc="0" normalizeH="0" baseline="0" noProof="0" dirty="0" smtClean="0">
                 <a:ln>
                   <a:noFill/>
                 </a:ln>
@@ -9329,9 +9473,6 @@
           </a:p>
           <a:p>
             <a:pPr marL="457200" marR="0" lvl="0" indent="-274320" algn="l" defTabSz="914400" rtl="0" eaLnBrk="1" fontAlgn="auto" latinLnBrk="0" hangingPunct="1">
-              <a:lnSpc>
-                <a:spcPct val="150000"/>
-              </a:lnSpc>
               <a:spcBef>
                 <a:spcPts val="600"/>
               </a:spcBef>
@@ -9348,7 +9489,7 @@
               <a:defRPr/>
             </a:pPr>
             <a:r>
-              <a:rPr lang="en-US" sz="1000" i="1" kern="1200" dirty="0" smtClean="0">
+              <a:rPr lang="en-US" sz="900" kern="1200" dirty="0" smtClean="0">
                 <a:solidFill>
                   <a:schemeClr val="dk1"/>
                 </a:solidFill>
@@ -9361,7 +9502,7 @@
               </a:rPr>
               <a:t>Classical</a:t>
             </a:r>
-            <a:endParaRPr kumimoji="0" lang="en-US" sz="1000" b="0" i="1" u="none" strike="noStrike" kern="1200" cap="none" spc="0" normalizeH="0" baseline="0" noProof="0" dirty="0" smtClean="0">
+            <a:endParaRPr kumimoji="0" lang="en-US" sz="900" b="0" u="none" strike="noStrike" kern="1200" cap="none" spc="0" normalizeH="0" baseline="0" noProof="0" dirty="0" smtClean="0">
               <a:ln>
                 <a:noFill/>
               </a:ln>
@@ -9389,8 +9530,8 @@
         </p:nvSpPr>
         <p:spPr>
           <a:xfrm>
-            <a:off x="4830051" y="3556622"/>
-            <a:ext cx="3328368" cy="415498"/>
+            <a:off x="4822617" y="2932153"/>
+            <a:ext cx="3328368" cy="369332"/>
           </a:xfrm>
           <a:prstGeom prst="rect">
             <a:avLst/>
@@ -9418,7 +9559,7 @@
               <a:buChar char="•"/>
             </a:pPr>
             <a:r>
-              <a:rPr lang="en-US" dirty="0" smtClean="0">
+              <a:rPr lang="en-US" sz="1200" dirty="0" smtClean="0">
                 <a:solidFill>
                   <a:schemeClr val="dk1"/>
                 </a:solidFill>
@@ -9426,16 +9567,30 @@
                   <a:srgbClr val="FFFFFF"/>
                 </a:highlight>
               </a:rPr>
-              <a:t>Musical traits analyzed:</a:t>
-            </a:r>
-            <a:endParaRPr lang="en-US" dirty="0" smtClean="0">
-              <a:solidFill>
-                <a:schemeClr val="dk1"/>
-              </a:solidFill>
-              <a:highlight>
-                <a:srgbClr val="FFFFFF"/>
-              </a:highlight>
-            </a:endParaRPr>
+              <a:t>Musical </a:t>
+            </a:r>
+            <a:r>
+              <a:rPr lang="en-US" sz="1200" dirty="0" smtClean="0">
+                <a:solidFill>
+                  <a:schemeClr val="dk1"/>
+                </a:solidFill>
+                <a:highlight>
+                  <a:srgbClr val="FFFFFF"/>
+                </a:highlight>
+              </a:rPr>
+              <a:t>audio features </a:t>
+            </a:r>
+            <a:r>
+              <a:rPr lang="en-US" sz="1200" dirty="0" smtClean="0">
+                <a:solidFill>
+                  <a:schemeClr val="dk1"/>
+                </a:solidFill>
+                <a:highlight>
+                  <a:srgbClr val="FFFFFF"/>
+                </a:highlight>
+              </a:rPr>
+              <a:t>analyzed:</a:t>
+            </a:r>
           </a:p>
         </p:txBody>
       </p:sp>
@@ -9449,8 +9604,8 @@
         </p:nvSpPr>
         <p:spPr>
           <a:xfrm>
-            <a:off x="5190951" y="3926871"/>
-            <a:ext cx="1614692" cy="717355"/>
+            <a:off x="5205819" y="3434575"/>
+            <a:ext cx="3938181" cy="1708925"/>
           </a:xfrm>
           <a:prstGeom prst="rect">
             <a:avLst/>
@@ -9462,23 +9617,16 @@
           </a:bodyPr>
           <a:lstStyle/>
           <a:p>
-            <a:pPr marL="457200" marR="0" lvl="0" indent="-274320" algn="l" defTabSz="914400" rtl="0" eaLnBrk="1" fontAlgn="auto" latinLnBrk="0" hangingPunct="1">
-              <a:lnSpc>
-                <a:spcPct val="150000"/>
-              </a:lnSpc>
+            <a:pPr marL="457200" lvl="0" indent="-274320">
               <a:spcBef>
                 <a:spcPts val="600"/>
               </a:spcBef>
-              <a:spcAft>
-                <a:spcPts val="0"/>
-              </a:spcAft>
               <a:buClr>
                 <a:schemeClr val="dk1"/>
               </a:buClr>
               <a:buSzPct val="175000"/>
               <a:buFont typeface="Wingdings" pitchFamily="2" charset="2"/>
               <a:buChar char="Ø"/>
-              <a:tabLst/>
               <a:defRPr/>
             </a:pPr>
             <a:r>
@@ -9493,27 +9641,59 @@
                 <a:ea typeface="+mn-ea"/>
                 <a:cs typeface="+mn-cs"/>
               </a:rPr>
-              <a:t>Danceability</a:t>
-            </a:r>
-          </a:p>
-          <a:p>
-            <a:pPr marL="457200" marR="0" lvl="0" indent="-274320" algn="l" defTabSz="914400" rtl="0" eaLnBrk="1" fontAlgn="auto" latinLnBrk="0" hangingPunct="1">
-              <a:lnSpc>
-                <a:spcPct val="150000"/>
-              </a:lnSpc>
+              <a:t>Danceability – </a:t>
+            </a:r>
+            <a:r>
+              <a:rPr lang="en-US" sz="1000" dirty="0" smtClean="0">
+                <a:highlight>
+                  <a:srgbClr val="FFFFFF"/>
+                </a:highlight>
+                <a:latin typeface="+mn-lt"/>
+                <a:ea typeface="+mn-ea"/>
+              </a:rPr>
+              <a:t>h</a:t>
+            </a:r>
+            <a:r>
+              <a:rPr lang="en-US" sz="1000" dirty="0" smtClean="0">
+                <a:latin typeface="+mn-lt"/>
+              </a:rPr>
+              <a:t>ow suitable </a:t>
+            </a:r>
+            <a:r>
+              <a:rPr lang="en-US" sz="1000" dirty="0" smtClean="0">
+                <a:latin typeface="+mn-lt"/>
+              </a:rPr>
+              <a:t>a track is for dancing based on a combination of musical elements including </a:t>
+            </a:r>
+            <a:r>
+              <a:rPr lang="en-US" sz="1000" dirty="0" smtClean="0">
+                <a:latin typeface="+mn-lt"/>
+              </a:rPr>
+              <a:t>tempo, etc.</a:t>
+            </a:r>
+            <a:endParaRPr lang="en-US" sz="1000" kern="1200" noProof="0" dirty="0" smtClean="0">
+              <a:solidFill>
+                <a:schemeClr val="dk1"/>
+              </a:solidFill>
+              <a:highlight>
+                <a:srgbClr val="FFFFFF"/>
+              </a:highlight>
+              <a:latin typeface="+mn-lt"/>
+              <a:ea typeface="+mn-ea"/>
+              <a:cs typeface="+mn-cs"/>
+            </a:endParaRPr>
+          </a:p>
+          <a:p>
+            <a:pPr marL="457200" lvl="0" indent="-274320">
               <a:spcBef>
                 <a:spcPts val="600"/>
               </a:spcBef>
-              <a:spcAft>
-                <a:spcPts val="0"/>
-              </a:spcAft>
               <a:buClr>
                 <a:schemeClr val="dk1"/>
               </a:buClr>
               <a:buSzPct val="175000"/>
               <a:buFont typeface="Wingdings" pitchFamily="2" charset="2"/>
               <a:buChar char="Ø"/>
-              <a:tabLst/>
               <a:defRPr/>
             </a:pPr>
             <a:r>
@@ -9534,33 +9714,190 @@
                 <a:ea typeface="+mn-ea"/>
                 <a:cs typeface="+mn-cs"/>
               </a:rPr>
-              <a:t>Energy</a:t>
-            </a:r>
-          </a:p>
-        </p:txBody>
-      </p:sp>
-      <p:sp>
-        <p:nvSpPr>
-          <p:cNvPr id="14" name="Google Shape;110;p16"/>
-          <p:cNvSpPr txBox="1">
-            <a:spLocks/>
-          </p:cNvSpPr>
-          <p:nvPr/>
-        </p:nvSpPr>
-        <p:spPr>
-          <a:xfrm>
-            <a:off x="6678487" y="3926870"/>
-            <a:ext cx="1614692" cy="802438"/>
-          </a:xfrm>
-          <a:prstGeom prst="rect">
-            <a:avLst/>
-          </a:prstGeom>
-        </p:spPr>
-        <p:txBody>
-          <a:bodyPr spcFirstLastPara="1" vert="horz" wrap="square" lIns="91425" tIns="91425" rIns="91425" bIns="91425" anchor="ctr" anchorCtr="0">
-            <a:noAutofit/>
-          </a:bodyPr>
-          <a:lstStyle/>
+              <a:t>Energy - </a:t>
+            </a:r>
+            <a:r>
+              <a:rPr lang="en-US" sz="1000" dirty="0" smtClean="0">
+                <a:highlight>
+                  <a:srgbClr val="FFFFFF"/>
+                </a:highlight>
+                <a:latin typeface="+mn-lt"/>
+                <a:ea typeface="+mn-ea"/>
+              </a:rPr>
+              <a:t>a</a:t>
+            </a:r>
+            <a:r>
+              <a:rPr lang="en-US" sz="1000" dirty="0" smtClean="0">
+                <a:latin typeface="+mn-lt"/>
+              </a:rPr>
+              <a:t> </a:t>
+            </a:r>
+            <a:r>
+              <a:rPr lang="en-US" sz="1000" dirty="0" smtClean="0">
+                <a:latin typeface="+mn-lt"/>
+              </a:rPr>
+              <a:t>perceptual measure of intensity and activity.</a:t>
+            </a:r>
+            <a:endParaRPr kumimoji="0" lang="en-US" sz="1000" b="0" i="0" u="none" strike="noStrike" kern="1200" cap="none" spc="0" normalizeH="0" baseline="0" dirty="0" smtClean="0">
+              <a:ln>
+                <a:noFill/>
+              </a:ln>
+              <a:solidFill>
+                <a:schemeClr val="dk1"/>
+              </a:solidFill>
+              <a:effectLst/>
+              <a:highlight>
+                <a:srgbClr val="FFFFFF"/>
+              </a:highlight>
+              <a:uLnTx/>
+              <a:uFillTx/>
+              <a:latin typeface="+mn-lt"/>
+              <a:ea typeface="+mn-ea"/>
+              <a:cs typeface="+mn-cs"/>
+            </a:endParaRPr>
+          </a:p>
+          <a:p>
+            <a:pPr marL="457200" lvl="0" indent="-274320">
+              <a:spcBef>
+                <a:spcPts val="600"/>
+              </a:spcBef>
+              <a:buClr>
+                <a:schemeClr val="dk1"/>
+              </a:buClr>
+              <a:buSzPct val="175000"/>
+              <a:buFont typeface="Wingdings" pitchFamily="2" charset="2"/>
+              <a:buChar char="Ø"/>
+              <a:defRPr/>
+            </a:pPr>
+            <a:r>
+              <a:rPr lang="en-US" sz="1000" kern="1200" dirty="0" smtClean="0">
+                <a:solidFill>
+                  <a:schemeClr val="dk1"/>
+                </a:solidFill>
+                <a:highlight>
+                  <a:srgbClr val="FFFFFF"/>
+                </a:highlight>
+                <a:latin typeface="+mn-lt"/>
+                <a:ea typeface="+mn-ea"/>
+                <a:cs typeface="+mn-cs"/>
+              </a:rPr>
+              <a:t>Mode - </a:t>
+            </a:r>
+            <a:r>
+              <a:rPr lang="en-US" sz="1000" dirty="0" smtClean="0"/>
+              <a:t>modality (major or minor) of a track, the type of scale from which its melodic content is derived.</a:t>
+            </a:r>
+            <a:endParaRPr lang="en-US" sz="1000" kern="1200" dirty="0" smtClean="0">
+              <a:solidFill>
+                <a:schemeClr val="dk1"/>
+              </a:solidFill>
+              <a:highlight>
+                <a:srgbClr val="FFFFFF"/>
+              </a:highlight>
+              <a:latin typeface="+mn-lt"/>
+              <a:ea typeface="+mn-ea"/>
+              <a:cs typeface="+mn-cs"/>
+            </a:endParaRPr>
+          </a:p>
+          <a:p>
+            <a:pPr marL="457200" lvl="0" indent="-274320">
+              <a:spcBef>
+                <a:spcPts val="600"/>
+              </a:spcBef>
+              <a:buClr>
+                <a:schemeClr val="dk1"/>
+              </a:buClr>
+              <a:buSzPct val="175000"/>
+              <a:buFont typeface="Wingdings" pitchFamily="2" charset="2"/>
+              <a:buChar char="Ø"/>
+              <a:defRPr/>
+            </a:pPr>
+            <a:r>
+              <a:rPr lang="en-US" sz="1000" kern="1200" dirty="0" smtClean="0">
+                <a:solidFill>
+                  <a:schemeClr val="dk1"/>
+                </a:solidFill>
+                <a:highlight>
+                  <a:srgbClr val="FFFFFF"/>
+                </a:highlight>
+                <a:latin typeface="+mn-lt"/>
+                <a:ea typeface="+mn-ea"/>
+                <a:cs typeface="+mn-cs"/>
+              </a:rPr>
+              <a:t>Instrumentalness - </a:t>
+            </a:r>
+            <a:r>
+              <a:rPr lang="en-US" sz="1000" dirty="0" smtClean="0">
+                <a:highlight>
+                  <a:srgbClr val="FFFFFF"/>
+                </a:highlight>
+                <a:ea typeface="+mn-ea"/>
+              </a:rPr>
+              <a:t>p</a:t>
+            </a:r>
+            <a:r>
+              <a:rPr lang="en-US" sz="1000" dirty="0" smtClean="0"/>
+              <a:t>redicts </a:t>
+            </a:r>
+            <a:r>
+              <a:rPr lang="en-US" sz="1000" dirty="0" smtClean="0"/>
+              <a:t>whether a track contains no vocals</a:t>
+            </a:r>
+            <a:endParaRPr lang="en-US" sz="1000" kern="1200" dirty="0" smtClean="0">
+              <a:solidFill>
+                <a:schemeClr val="dk1"/>
+              </a:solidFill>
+              <a:highlight>
+                <a:srgbClr val="FFFFFF"/>
+              </a:highlight>
+              <a:latin typeface="+mn-lt"/>
+              <a:ea typeface="+mn-ea"/>
+              <a:cs typeface="+mn-cs"/>
+            </a:endParaRPr>
+          </a:p>
+          <a:p>
+            <a:pPr marL="457200" lvl="0" indent="-274320">
+              <a:spcBef>
+                <a:spcPts val="600"/>
+              </a:spcBef>
+              <a:buClr>
+                <a:schemeClr val="dk1"/>
+              </a:buClr>
+              <a:buSzPct val="175000"/>
+              <a:buFont typeface="Wingdings" pitchFamily="2" charset="2"/>
+              <a:buChar char="Ø"/>
+              <a:defRPr/>
+            </a:pPr>
+            <a:r>
+              <a:rPr lang="en-US" sz="1000" kern="1200" dirty="0" smtClean="0">
+                <a:solidFill>
+                  <a:schemeClr val="dk1"/>
+                </a:solidFill>
+                <a:highlight>
+                  <a:srgbClr val="FFFFFF"/>
+                </a:highlight>
+                <a:latin typeface="+mn-lt"/>
+              </a:rPr>
+              <a:t>Speechiness - </a:t>
+            </a:r>
+            <a:r>
+              <a:rPr lang="en-US" sz="1000" dirty="0" smtClean="0"/>
+              <a:t>detects </a:t>
+            </a:r>
+            <a:r>
+              <a:rPr lang="en-US" sz="1000" dirty="0" smtClean="0"/>
+              <a:t>the presence of spoken words in a track</a:t>
+            </a:r>
+            <a:endParaRPr lang="en-US" sz="1000" kern="1200" dirty="0" smtClean="0">
+              <a:solidFill>
+                <a:schemeClr val="dk1"/>
+              </a:solidFill>
+              <a:highlight>
+                <a:srgbClr val="FFFFFF"/>
+              </a:highlight>
+              <a:latin typeface="+mn-lt"/>
+            </a:endParaRPr>
+          </a:p>
           <a:p>
             <a:pPr marL="457200" marR="0" lvl="0" indent="-274320" algn="l" defTabSz="914400" rtl="0" eaLnBrk="1" fontAlgn="auto" latinLnBrk="0" hangingPunct="1">
               <a:lnSpc>
@@ -9581,62 +9918,19 @@
               <a:tabLst/>
               <a:defRPr/>
             </a:pPr>
-            <a:r>
-              <a:rPr lang="en-US" sz="1000" kern="1200" noProof="0" dirty="0" smtClean="0">
-                <a:solidFill>
-                  <a:schemeClr val="dk1"/>
-                </a:solidFill>
-                <a:highlight>
-                  <a:srgbClr val="FFFFFF"/>
-                </a:highlight>
-                <a:latin typeface="+mn-lt"/>
-                <a:ea typeface="+mn-ea"/>
-                <a:cs typeface="+mn-cs"/>
-              </a:rPr>
-              <a:t>Speechiness</a:t>
-            </a:r>
-          </a:p>
-          <a:p>
-            <a:pPr marL="457200" marR="0" lvl="0" indent="-274320" algn="l" defTabSz="914400" rtl="0" eaLnBrk="1" fontAlgn="auto" latinLnBrk="0" hangingPunct="1">
-              <a:lnSpc>
-                <a:spcPct val="150000"/>
-              </a:lnSpc>
-              <a:spcBef>
-                <a:spcPts val="600"/>
-              </a:spcBef>
-              <a:spcAft>
-                <a:spcPts val="0"/>
-              </a:spcAft>
-              <a:buClr>
-                <a:schemeClr val="dk1"/>
-              </a:buClr>
-              <a:buSzPct val="175000"/>
-              <a:buFont typeface="Wingdings" pitchFamily="2" charset="2"/>
-              <a:buChar char="Ø"/>
-              <a:tabLst/>
-              <a:defRPr/>
-            </a:pPr>
-            <a:r>
-              <a:rPr lang="en-US" sz="1000" kern="1200" dirty="0" smtClean="0">
-                <a:solidFill>
-                  <a:schemeClr val="dk1"/>
-                </a:solidFill>
-                <a:highlight>
-                  <a:srgbClr val="FFFFFF"/>
-                </a:highlight>
-                <a:latin typeface="+mn-lt"/>
-                <a:ea typeface="+mn-ea"/>
-                <a:cs typeface="+mn-cs"/>
-              </a:rPr>
-              <a:t>Popularity</a:t>
-            </a:r>
-            <a:endParaRPr lang="en-US" sz="1000" kern="1200" noProof="0" dirty="0" smtClean="0">
+            <a:endParaRPr kumimoji="0" lang="en-US" sz="900" b="0" i="0" u="none" strike="noStrike" kern="1200" cap="none" spc="0" normalizeH="0" baseline="0" dirty="0" smtClean="0">
+              <a:ln>
+                <a:noFill/>
+              </a:ln>
               <a:solidFill>
                 <a:schemeClr val="dk1"/>
               </a:solidFill>
+              <a:effectLst/>
               <a:highlight>
                 <a:srgbClr val="FFFFFF"/>
               </a:highlight>
+              <a:uLnTx/>
+              <a:uFillTx/>
               <a:latin typeface="+mn-lt"/>
               <a:ea typeface="+mn-ea"/>
               <a:cs typeface="+mn-cs"/>
@@ -9760,19 +10054,7 @@
                 <a:cs typeface="Lato"/>
                 <a:sym typeface="Lato"/>
               </a:rPr>
-              <a:t>This file includes a list of music genres for each song as determined by Spotify</a:t>
-            </a:r>
-            <a:r>
-              <a:rPr lang="en-US" dirty="0" smtClean="0">
-                <a:solidFill>
-                  <a:srgbClr val="FFFFFF"/>
-                </a:solidFill>
-                <a:latin typeface="Lato"/>
-                <a:ea typeface="Lato"/>
-                <a:cs typeface="Lato"/>
-                <a:sym typeface="Lato"/>
-              </a:rPr>
-              <a:t>:</a:t>
+              <a:t>This file includes a list of music genres for each song as determined by Spotify:</a:t>
             </a:r>
           </a:p>
           <a:p>
@@ -9927,7 +10209,7 @@
                 <a:cs typeface="Lato"/>
                 <a:sym typeface="Lato"/>
               </a:rPr>
-              <a:t>This file also contains information about the individual songs such as the</a:t>
+              <a:t>This file also contains information about the individual songs such as the levels of certain musical traits (danceability, speechiness, etc).  These levels are also defined </a:t>
             </a:r>
             <a:r>
               <a:rPr lang="en-US" dirty="0" smtClean="0">
@@ -9939,19 +10221,7 @@
                 <a:cs typeface="Lato"/>
                 <a:sym typeface="Lato"/>
               </a:rPr>
-              <a:t> </a:t>
-            </a:r>
-            <a:r>
-              <a:rPr lang="en-US" dirty="0" smtClean="0">
-                <a:solidFill>
-                  <a:srgbClr val="FFFFFF"/>
-                </a:solidFill>
-                <a:latin typeface="Lato"/>
-                <a:ea typeface="Lato"/>
-                <a:cs typeface="Lato"/>
-                <a:sym typeface="Lato"/>
-              </a:rPr>
-              <a:t>levels of certain musical traits (danceability, speechiness, etc).  These levels are also defined my Spotify</a:t>
+              <a:t>by Spotify.</a:t>
             </a:r>
             <a:endParaRPr lang="en-US" dirty="0" smtClean="0">
               <a:solidFill>
@@ -9987,20 +10257,7 @@
                 <a:sym typeface="Lato"/>
                 <a:hlinkClick r:id="rId3"/>
               </a:rPr>
-              <a:t>Raw </a:t>
-            </a:r>
-            <a:r>
-              <a:rPr lang="en-US" u="sng" dirty="0" smtClean="0">
-                <a:solidFill>
-                  <a:srgbClr val="FFFFFF"/>
-                </a:solidFill>
-                <a:latin typeface="Lato"/>
-                <a:ea typeface="Lato"/>
-                <a:cs typeface="Lato"/>
-                <a:sym typeface="Lato"/>
-                <a:hlinkClick r:id="rId3"/>
-              </a:rPr>
-              <a:t>data available here</a:t>
+              <a:t>Raw data available here</a:t>
             </a:r>
             <a:endParaRPr lang="en-US" dirty="0" smtClean="0">
               <a:solidFill>
@@ -10145,95 +10402,6 @@
           </a:bodyPr>
           <a:lstStyle/>
           <a:p>
-            <a:pPr marL="457200" lvl="0" indent="-342900">
-              <a:lnSpc>
-                <a:spcPct val="115000"/>
-              </a:lnSpc>
-              <a:buClr>
-                <a:srgbClr val="FFFFFF"/>
-              </a:buClr>
-              <a:buSzPts val="1800"/>
-              <a:buFont typeface="Lato"/>
-              <a:buChar char="●"/>
-            </a:pPr>
-            <a:r>
-              <a:rPr lang="en" sz="1800" dirty="0" smtClean="0">
-                <a:solidFill>
-                  <a:schemeClr val="bg1"/>
-                </a:solidFill>
-                <a:latin typeface="Lato"/>
-                <a:ea typeface="Lato"/>
-                <a:cs typeface="Lato"/>
-                <a:sym typeface="Lato"/>
-              </a:rPr>
-              <a:t>The following musical traits were used to cluster the data</a:t>
-            </a:r>
-          </a:p>
-          <a:p>
-            <a:pPr marL="457200" lvl="0" indent="-342900">
-              <a:lnSpc>
-                <a:spcPct val="115000"/>
-              </a:lnSpc>
-              <a:buClr>
-                <a:srgbClr val="FFFFFF"/>
-              </a:buClr>
-              <a:buSzPts val="1800"/>
-              <a:buFont typeface="Lato"/>
-              <a:buChar char="●"/>
-            </a:pPr>
-            <a:r>
-              <a:rPr kumimoji="0" lang="en" sz="1800" b="0" i="0" u="none" strike="noStrike" kern="1200" cap="none" spc="0" normalizeH="0" baseline="0" noProof="0" dirty="0" smtClean="0">
-                <a:ln>
-                  <a:noFill/>
-                </a:ln>
-                <a:solidFill>
-                  <a:schemeClr val="bg1"/>
-                </a:solidFill>
-                <a:effectLst/>
-                <a:uLnTx/>
-                <a:uFillTx/>
-                <a:latin typeface="Lato"/>
-                <a:ea typeface="Lato"/>
-                <a:cs typeface="Lato"/>
-                <a:sym typeface="Lato"/>
-              </a:rPr>
-              <a:t>The values for these traits range</a:t>
-            </a:r>
-            <a:r>
-              <a:rPr kumimoji="0" lang="en" sz="1800" b="0" i="0" u="none" strike="noStrike" kern="1200" cap="none" spc="0" normalizeH="0" noProof="0" dirty="0" smtClean="0">
-                <a:ln>
-                  <a:noFill/>
-                </a:ln>
-                <a:solidFill>
-                  <a:schemeClr val="bg1"/>
-                </a:solidFill>
-                <a:effectLst/>
-                <a:uLnTx/>
-                <a:uFillTx/>
-                <a:latin typeface="Lato"/>
-                <a:ea typeface="Lato"/>
-                <a:cs typeface="Lato"/>
-                <a:sym typeface="Lato"/>
-              </a:rPr>
-              <a:t> from 0 to 1</a:t>
-            </a:r>
-            <a:endParaRPr kumimoji="0" lang="en" sz="1800" b="0" i="0" u="none" strike="noStrike" kern="1200" cap="none" spc="0" normalizeH="0" baseline="0" noProof="0" dirty="0" smtClean="0">
-              <a:ln>
-                <a:noFill/>
-              </a:ln>
-              <a:solidFill>
-                <a:schemeClr val="bg1"/>
-              </a:solidFill>
-              <a:effectLst/>
-              <a:uLnTx/>
-              <a:uFillTx/>
-              <a:latin typeface="Lato"/>
-              <a:ea typeface="Lato"/>
-              <a:cs typeface="Lato"/>
-              <a:sym typeface="Lato"/>
-            </a:endParaRPr>
-          </a:p>
-          <a:p>
             <a:pPr marL="457200" lvl="1" indent="-342900">
               <a:lnSpc>
                 <a:spcPct val="115000"/>
@@ -10269,8 +10437,8 @@
         </p:nvSpPr>
         <p:spPr>
           <a:xfrm>
-            <a:off x="1325057" y="1998539"/>
-            <a:ext cx="4730789" cy="830997"/>
+            <a:off x="1310191" y="3336685"/>
+            <a:ext cx="2838064" cy="1569660"/>
           </a:xfrm>
           <a:prstGeom prst="rect">
             <a:avLst/>
@@ -10282,6 +10450,28 @@
             <a:spAutoFit/>
           </a:bodyPr>
           <a:lstStyle/>
+          <a:p>
+            <a:pPr>
+              <a:buClr>
+                <a:schemeClr val="bg1"/>
+              </a:buClr>
+            </a:pPr>
+            <a:r>
+              <a:rPr lang="en-US" sz="1600" b="1" u="sng" dirty="0" smtClean="0">
+                <a:solidFill>
+                  <a:schemeClr val="bg1"/>
+                </a:solidFill>
+                <a:latin typeface="Lato" charset="0"/>
+              </a:rPr>
+              <a:t>Audio Features</a:t>
+            </a:r>
+            <a:endParaRPr lang="en-US" sz="1600" b="1" u="sng" dirty="0" smtClean="0">
+              <a:solidFill>
+                <a:schemeClr val="bg1"/>
+              </a:solidFill>
+              <a:latin typeface="Lato" charset="0"/>
+            </a:endParaRPr>
+          </a:p>
           <a:p>
             <a:pPr>
               <a:buClr>
@@ -10297,7 +10487,16 @@
                 </a:solidFill>
                 <a:latin typeface="Lato" charset="0"/>
               </a:rPr>
-              <a:t> Danceability</a:t>
+              <a:t> </a:t>
+            </a:r>
+            <a:r>
+              <a:rPr lang="en-US" sz="1600" dirty="0" smtClean="0">
+                <a:solidFill>
+                  <a:schemeClr val="bg1"/>
+                </a:solidFill>
+                <a:latin typeface="Lato" charset="0"/>
+              </a:rPr>
+              <a:t>Danceability</a:t>
             </a:r>
           </a:p>
           <a:p>
@@ -10333,8 +10532,59 @@
                 </a:solidFill>
                 <a:latin typeface="Lato" charset="0"/>
               </a:rPr>
+              <a:t> </a:t>
+            </a:r>
+            <a:r>
+              <a:rPr lang="en-US" sz="1600" dirty="0" smtClean="0">
+                <a:solidFill>
+                  <a:schemeClr val="bg1"/>
+                </a:solidFill>
+                <a:latin typeface="Lato" charset="0"/>
+              </a:rPr>
+              <a:t>Mode</a:t>
+            </a:r>
+          </a:p>
+          <a:p>
+            <a:pPr>
+              <a:buClr>
+                <a:schemeClr val="bg1"/>
+              </a:buClr>
+              <a:buFont typeface="Wingdings" pitchFamily="2" charset="2"/>
+              <a:buChar char="Ø"/>
+            </a:pPr>
+            <a:r>
+              <a:rPr lang="en-US" sz="1600" dirty="0" smtClean="0">
+                <a:solidFill>
+                  <a:schemeClr val="bg1"/>
+                </a:solidFill>
+                <a:latin typeface="Lato" charset="0"/>
+              </a:rPr>
+              <a:t> Instrumentalness</a:t>
+            </a:r>
+          </a:p>
+          <a:p>
+            <a:pPr>
+              <a:buClr>
+                <a:schemeClr val="bg1"/>
+              </a:buClr>
+              <a:buFont typeface="Wingdings" pitchFamily="2" charset="2"/>
+              <a:buChar char="Ø"/>
+            </a:pPr>
+            <a:r>
+              <a:rPr lang="en-US" sz="1600" dirty="0" smtClean="0">
+                <a:solidFill>
+                  <a:schemeClr val="bg1"/>
+                </a:solidFill>
+                <a:latin typeface="Lato" charset="0"/>
+              </a:rPr>
               <a:t> Speechiness</a:t>
             </a:r>
+            <a:endParaRPr lang="en-US" sz="1600" dirty="0" smtClean="0">
+              <a:solidFill>
+                <a:schemeClr val="bg1"/>
+              </a:solidFill>
+              <a:latin typeface="Lato" charset="0"/>
+            </a:endParaRPr>
           </a:p>
         </p:txBody>
       </p:sp>
@@ -10348,7 +10598,7 @@
         </p:nvSpPr>
         <p:spPr>
           <a:xfrm>
-            <a:off x="776276" y="2803430"/>
+            <a:off x="783711" y="1271996"/>
             <a:ext cx="6718274" cy="535681"/>
           </a:xfrm>
           <a:prstGeom prst="rect">
@@ -10374,7 +10624,7 @@
               <a:buChar char="●"/>
             </a:pPr>
             <a:r>
-              <a:rPr lang="en" sz="1800" noProof="0" dirty="0" smtClean="0">
+              <a:rPr lang="en" sz="1600" noProof="0" dirty="0" smtClean="0">
                 <a:solidFill>
                   <a:schemeClr val="bg1"/>
                 </a:solidFill>
@@ -10383,9 +10633,95 @@
                 <a:cs typeface="Lato"/>
                 <a:sym typeface="Lato"/>
               </a:rPr>
-              <a:t>A sample of 10000 records were used for the clustering models and analysis</a:t>
-            </a:r>
-            <a:endParaRPr kumimoji="0" lang="en-US" sz="500" b="0" i="0" u="none" strike="noStrike" kern="1200" cap="none" spc="0" normalizeH="0" baseline="0" noProof="0" dirty="0" smtClean="0">
+              <a:t>A sample of 10000 records were used for the clustering models and </a:t>
+            </a:r>
+            <a:r>
+              <a:rPr lang="en" sz="1600" noProof="0" dirty="0" smtClean="0">
+                <a:solidFill>
+                  <a:schemeClr val="bg1"/>
+                </a:solidFill>
+                <a:latin typeface="Lato"/>
+                <a:ea typeface="Lato"/>
+                <a:cs typeface="Lato"/>
+                <a:sym typeface="Lato"/>
+              </a:rPr>
+              <a:t>analysis</a:t>
+            </a:r>
+          </a:p>
+          <a:p>
+            <a:pPr marL="457200" lvl="0" indent="-342900">
+              <a:lnSpc>
+                <a:spcPct val="115000"/>
+              </a:lnSpc>
+              <a:buClr>
+                <a:srgbClr val="FFFFFF"/>
+              </a:buClr>
+              <a:buSzPts val="1800"/>
+              <a:buFont typeface="Lato"/>
+              <a:buChar char="●"/>
+            </a:pPr>
+            <a:r>
+              <a:rPr lang="en" sz="1600" kern="1200" dirty="0" smtClean="0">
+                <a:solidFill>
+                  <a:schemeClr val="bg1"/>
+                </a:solidFill>
+                <a:latin typeface="Lato"/>
+                <a:ea typeface="Lato"/>
+                <a:cs typeface="Lato"/>
+                <a:sym typeface="Lato"/>
+              </a:rPr>
+              <a:t>I determined a single genre for each of the song records based on the genre list for each song using an algorythm that I defined</a:t>
+            </a:r>
+          </a:p>
+          <a:p>
+            <a:pPr marL="457200" lvl="0" indent="-342900">
+              <a:lnSpc>
+                <a:spcPct val="115000"/>
+              </a:lnSpc>
+              <a:buClr>
+                <a:srgbClr val="FFFFFF"/>
+              </a:buClr>
+              <a:buSzPts val="1800"/>
+              <a:buFont typeface="Lato"/>
+              <a:buChar char="●"/>
+            </a:pPr>
+            <a:r>
+              <a:rPr kumimoji="0" lang="en" sz="1600" b="0" i="0" u="none" strike="noStrike" kern="1200" cap="none" spc="0" normalizeH="0" baseline="0" noProof="0" dirty="0" smtClean="0">
+                <a:ln>
+                  <a:noFill/>
+                </a:ln>
+                <a:solidFill>
+                  <a:schemeClr val="bg1"/>
+                </a:solidFill>
+                <a:effectLst/>
+                <a:uLnTx/>
+                <a:uFillTx/>
+                <a:latin typeface="Lato"/>
+                <a:ea typeface="Lato"/>
+                <a:cs typeface="Lato"/>
+                <a:sym typeface="Lato"/>
+              </a:rPr>
+              <a:t>I</a:t>
+            </a:r>
+            <a:r>
+              <a:rPr kumimoji="0" lang="en" sz="1600" b="0" i="0" u="none" strike="noStrike" kern="1200" cap="none" spc="0" normalizeH="0" noProof="0" dirty="0" smtClean="0">
+                <a:ln>
+                  <a:noFill/>
+                </a:ln>
+                <a:solidFill>
+                  <a:schemeClr val="bg1"/>
+                </a:solidFill>
+                <a:effectLst/>
+                <a:uLnTx/>
+                <a:uFillTx/>
+                <a:latin typeface="Lato"/>
+                <a:ea typeface="Lato"/>
+                <a:cs typeface="Lato"/>
+                <a:sym typeface="Lato"/>
+              </a:rPr>
+              <a:t> used several data clustering techniques to group the data using the musical audio features described earlier.  All of the features values in the data file ranged from 0.0 to 1.0</a:t>
+            </a:r>
+            <a:endParaRPr kumimoji="0" lang="en-US" sz="1600" b="0" i="0" u="none" strike="noStrike" kern="1200" cap="none" spc="0" normalizeH="0" baseline="0" noProof="0" dirty="0" smtClean="0">
               <a:ln>
                 <a:noFill/>
               </a:ln>
@@ -10399,6 +10735,114 @@
               <a:ea typeface="Lato"/>
               <a:cs typeface="Lato"/>
               <a:sym typeface="Lato"/>
+            </a:endParaRPr>
+          </a:p>
+        </p:txBody>
+      </p:sp>
+      <p:sp>
+        <p:nvSpPr>
+          <p:cNvPr id="9" name="TextBox 8"/>
+          <p:cNvSpPr txBox="1"/>
+          <p:nvPr/>
+        </p:nvSpPr>
+        <p:spPr>
+          <a:xfrm>
+            <a:off x="4326673" y="3370139"/>
+            <a:ext cx="3048000" cy="1077218"/>
+          </a:xfrm>
+          <a:prstGeom prst="rect">
+            <a:avLst/>
+          </a:prstGeom>
+          <a:noFill/>
+        </p:spPr>
+        <p:txBody>
+          <a:bodyPr wrap="square" rtlCol="0">
+            <a:spAutoFit/>
+          </a:bodyPr>
+          <a:lstStyle/>
+          <a:p>
+            <a:pPr>
+              <a:buClr>
+                <a:schemeClr val="bg1"/>
+              </a:buClr>
+            </a:pPr>
+            <a:r>
+              <a:rPr lang="en-US" sz="1600" b="1" u="sng" dirty="0" smtClean="0">
+                <a:solidFill>
+                  <a:schemeClr val="bg1"/>
+                </a:solidFill>
+                <a:latin typeface="Lato" charset="0"/>
+              </a:rPr>
+              <a:t>Clustering Techniques</a:t>
+            </a:r>
+          </a:p>
+          <a:p>
+            <a:pPr>
+              <a:buClr>
+                <a:schemeClr val="bg1"/>
+              </a:buClr>
+              <a:buFont typeface="Wingdings" pitchFamily="2" charset="2"/>
+              <a:buChar char="Ø"/>
+            </a:pPr>
+            <a:r>
+              <a:rPr lang="en-US" sz="1600" dirty="0" smtClean="0">
+                <a:solidFill>
+                  <a:schemeClr val="bg1"/>
+                </a:solidFill>
+                <a:latin typeface="Lato" charset="0"/>
+              </a:rPr>
+              <a:t> Kmeans</a:t>
+            </a:r>
+          </a:p>
+          <a:p>
+            <a:pPr>
+              <a:buClr>
+                <a:schemeClr val="bg1"/>
+              </a:buClr>
+              <a:buFont typeface="Wingdings" pitchFamily="2" charset="2"/>
+              <a:buChar char="Ø"/>
+            </a:pPr>
+            <a:r>
+              <a:rPr lang="en-US" sz="1600" dirty="0" smtClean="0">
+                <a:solidFill>
+                  <a:schemeClr val="bg1"/>
+                </a:solidFill>
+                <a:latin typeface="Lato" charset="0"/>
+              </a:rPr>
+              <a:t> </a:t>
+            </a:r>
+            <a:r>
+              <a:rPr lang="en-US" sz="1600" dirty="0" smtClean="0">
+                <a:solidFill>
+                  <a:schemeClr val="bg1"/>
+                </a:solidFill>
+                <a:latin typeface="Lato" charset="0"/>
+              </a:rPr>
+              <a:t>Hierarchical</a:t>
+            </a:r>
+          </a:p>
+          <a:p>
+            <a:pPr>
+              <a:buClr>
+                <a:schemeClr val="bg1"/>
+              </a:buClr>
+              <a:buFont typeface="Wingdings" pitchFamily="2" charset="2"/>
+              <a:buChar char="Ø"/>
+            </a:pPr>
+            <a:r>
+              <a:rPr lang="en-US" sz="1600" dirty="0" smtClean="0">
+                <a:solidFill>
+                  <a:schemeClr val="bg1"/>
+                </a:solidFill>
+                <a:latin typeface="Lato" charset="0"/>
+              </a:rPr>
+              <a:t>UMAP</a:t>
+            </a:r>
+            <a:endParaRPr lang="en-US" sz="1600" dirty="0" smtClean="0">
+              <a:solidFill>
+                <a:schemeClr val="bg1"/>
+              </a:solidFill>
+              <a:latin typeface="Lato" charset="0"/>
             </a:endParaRPr>
           </a:p>
         </p:txBody>
@@ -10568,7 +11012,7 @@
                 <a:cs typeface="Lato"/>
                 <a:sym typeface="Lato"/>
               </a:rPr>
-              <a:t>Danceability scores for each of the music genres</a:t>
+              <a:t>Grouping by danceability</a:t>
             </a:r>
             <a:endParaRPr lang="en-US" sz="2000" b="1" dirty="0">
               <a:solidFill>
@@ -10627,7 +11071,7 @@
       </p:sp>
       <p:pic>
         <p:nvPicPr>
-          <p:cNvPr id="7" name="Picture 6" descr="danceability2.png"/>
+          <p:cNvPr id="10" name="Picture 9" descr="danceability2.png"/>
           <p:cNvPicPr>
             <a:picLocks noChangeAspect="1"/>
           </p:cNvPicPr>
@@ -10641,14 +11085,166 @@
         </p:blipFill>
         <p:spPr>
           <a:xfrm>
-            <a:off x="1631228" y="799416"/>
-            <a:ext cx="5334000" cy="3328045"/>
+            <a:off x="4884234" y="540138"/>
+            <a:ext cx="4259766" cy="2738421"/>
           </a:xfrm>
           <a:prstGeom prst="rect">
             <a:avLst/>
           </a:prstGeom>
         </p:spPr>
       </p:pic>
+      <p:pic>
+        <p:nvPicPr>
+          <p:cNvPr id="11" name="Picture 10" descr="danceability3.png"/>
+          <p:cNvPicPr>
+            <a:picLocks noChangeAspect="1"/>
+          </p:cNvPicPr>
+          <p:nvPr/>
+        </p:nvPicPr>
+        <p:blipFill>
+          <a:blip r:embed="rId4"/>
+          <a:stretch>
+            <a:fillRect/>
+          </a:stretch>
+        </p:blipFill>
+        <p:spPr>
+          <a:xfrm>
+            <a:off x="0" y="535257"/>
+            <a:ext cx="4658053" cy="2854714"/>
+          </a:xfrm>
+          <a:prstGeom prst="rect">
+            <a:avLst/>
+          </a:prstGeom>
+        </p:spPr>
+      </p:pic>
+      <p:sp>
+        <p:nvSpPr>
+          <p:cNvPr id="12" name="TextBox 11"/>
+          <p:cNvSpPr txBox="1"/>
+          <p:nvPr/>
+        </p:nvSpPr>
+        <p:spPr>
+          <a:xfrm>
+            <a:off x="5545872" y="3375102"/>
+            <a:ext cx="2750633" cy="1492716"/>
+          </a:xfrm>
+          <a:prstGeom prst="rect">
+            <a:avLst/>
+          </a:prstGeom>
+          <a:noFill/>
+        </p:spPr>
+        <p:txBody>
+          <a:bodyPr wrap="square" rtlCol="0">
+            <a:spAutoFit/>
+          </a:bodyPr>
+          <a:lstStyle/>
+          <a:p>
+            <a:pPr>
+              <a:spcAft>
+                <a:spcPts val="600"/>
+              </a:spcAft>
+              <a:buFont typeface="Wingdings" pitchFamily="2" charset="2"/>
+              <a:buChar char="§"/>
+            </a:pPr>
+            <a:r>
+              <a:rPr lang="en-US" dirty="0" smtClean="0"/>
+              <a:t> </a:t>
+            </a:r>
+            <a:r>
+              <a:rPr lang="en-US" sz="1200" dirty="0" smtClean="0">
+                <a:latin typeface="Lato" charset="0"/>
+              </a:rPr>
+              <a:t>Hip hop, disco and pop have high danceability. I observed a large number of hip hop songs in cluster 0.</a:t>
+            </a:r>
+          </a:p>
+          <a:p>
+            <a:pPr>
+              <a:spcAft>
+                <a:spcPts val="600"/>
+              </a:spcAft>
+              <a:buFont typeface="Wingdings" pitchFamily="2" charset="2"/>
+              <a:buChar char="§"/>
+            </a:pPr>
+            <a:r>
+              <a:rPr lang="en-US" sz="1200" dirty="0" smtClean="0">
+                <a:latin typeface="Lato" charset="0"/>
+              </a:rPr>
+              <a:t> </a:t>
+            </a:r>
+            <a:r>
+              <a:rPr lang="en-US" sz="1200" dirty="0" smtClean="0">
+                <a:latin typeface="Lato" charset="0"/>
+              </a:rPr>
+              <a:t>Metal, classical and jazz have low danceability. I observed a large number of metal and jazz songs in cluster 3.</a:t>
+            </a:r>
+            <a:endParaRPr lang="en-US" sz="1200" dirty="0" smtClean="0">
+              <a:latin typeface="Lato" charset="0"/>
+            </a:endParaRPr>
+          </a:p>
+        </p:txBody>
+      </p:sp>
+      <p:sp>
+        <p:nvSpPr>
+          <p:cNvPr id="13" name="TextBox 12"/>
+          <p:cNvSpPr txBox="1"/>
+          <p:nvPr/>
+        </p:nvSpPr>
+        <p:spPr>
+          <a:xfrm>
+            <a:off x="695093" y="3460596"/>
+            <a:ext cx="2750633" cy="938719"/>
+          </a:xfrm>
+          <a:prstGeom prst="rect">
+            <a:avLst/>
+          </a:prstGeom>
+          <a:noFill/>
+        </p:spPr>
+        <p:txBody>
+          <a:bodyPr wrap="square" rtlCol="0">
+            <a:spAutoFit/>
+          </a:bodyPr>
+          <a:lstStyle/>
+          <a:p>
+            <a:pPr>
+              <a:spcAft>
+                <a:spcPts val="600"/>
+              </a:spcAft>
+              <a:buFont typeface="Wingdings" pitchFamily="2" charset="2"/>
+              <a:buChar char="§"/>
+            </a:pPr>
+            <a:r>
+              <a:rPr lang="en-US" sz="1200" dirty="0" smtClean="0">
+                <a:latin typeface="Lato" charset="0"/>
+              </a:rPr>
+              <a:t> Cluster 0 appears to have the highest danceability</a:t>
+            </a:r>
+          </a:p>
+          <a:p>
+            <a:pPr>
+              <a:spcAft>
+                <a:spcPts val="600"/>
+              </a:spcAft>
+              <a:buFont typeface="Wingdings" pitchFamily="2" charset="2"/>
+              <a:buChar char="§"/>
+            </a:pPr>
+            <a:r>
+              <a:rPr lang="en-US" sz="1200" dirty="0" smtClean="0">
+                <a:latin typeface="Lato" charset="0"/>
+              </a:rPr>
+              <a:t> </a:t>
+            </a:r>
+            <a:r>
+              <a:rPr lang="en-US" sz="1200" dirty="0" smtClean="0">
+                <a:latin typeface="Lato" charset="0"/>
+              </a:rPr>
+              <a:t>Cluster 3 appears to have the lowest danceability</a:t>
+            </a:r>
+            <a:endParaRPr lang="en-US" sz="1200" dirty="0" smtClean="0">
+              <a:latin typeface="Lato" charset="0"/>
+            </a:endParaRPr>
+          </a:p>
+        </p:txBody>
+      </p:sp>
     </p:spTree>
   </p:cSld>
   <p:clrMapOvr>
@@ -10728,7 +11324,7 @@
                 <a:cs typeface="Lato"/>
                 <a:sym typeface="Lato"/>
               </a:rPr>
-              <a:t>Energy scores for each of the music genres</a:t>
+              <a:t>Grouping by energy</a:t>
             </a:r>
             <a:endParaRPr lang="en-US" sz="2000" b="1" dirty="0">
               <a:solidFill>
@@ -10787,7 +11383,7 @@
       </p:sp>
       <p:pic>
         <p:nvPicPr>
-          <p:cNvPr id="5" name="Picture 4" descr="energy.png"/>
+          <p:cNvPr id="10" name="Picture 9" descr="danceability2.png"/>
           <p:cNvPicPr>
             <a:picLocks noChangeAspect="1"/>
           </p:cNvPicPr>
@@ -10801,14 +11397,139 @@
         </p:blipFill>
         <p:spPr>
           <a:xfrm>
-            <a:off x="1905000" y="857250"/>
-            <a:ext cx="5334000" cy="3429000"/>
+            <a:off x="4884234" y="540138"/>
+            <a:ext cx="4259766" cy="2738421"/>
           </a:xfrm>
           <a:prstGeom prst="rect">
             <a:avLst/>
           </a:prstGeom>
         </p:spPr>
       </p:pic>
+      <p:pic>
+        <p:nvPicPr>
+          <p:cNvPr id="11" name="Picture 10" descr="danceability3.png"/>
+          <p:cNvPicPr>
+            <a:picLocks noChangeAspect="1"/>
+          </p:cNvPicPr>
+          <p:nvPr/>
+        </p:nvPicPr>
+        <p:blipFill>
+          <a:blip r:embed="rId4"/>
+          <a:stretch>
+            <a:fillRect/>
+          </a:stretch>
+        </p:blipFill>
+        <p:spPr>
+          <a:xfrm>
+            <a:off x="0" y="535257"/>
+            <a:ext cx="4440666" cy="2854714"/>
+          </a:xfrm>
+          <a:prstGeom prst="rect">
+            <a:avLst/>
+          </a:prstGeom>
+        </p:spPr>
+      </p:pic>
+      <p:sp>
+        <p:nvSpPr>
+          <p:cNvPr id="12" name="TextBox 11"/>
+          <p:cNvSpPr txBox="1"/>
+          <p:nvPr/>
+        </p:nvSpPr>
+        <p:spPr>
+          <a:xfrm>
+            <a:off x="5545872" y="3375102"/>
+            <a:ext cx="2750633" cy="1308050"/>
+          </a:xfrm>
+          <a:prstGeom prst="rect">
+            <a:avLst/>
+          </a:prstGeom>
+          <a:noFill/>
+        </p:spPr>
+        <p:txBody>
+          <a:bodyPr wrap="square" rtlCol="0">
+            <a:spAutoFit/>
+          </a:bodyPr>
+          <a:lstStyle/>
+          <a:p>
+            <a:pPr>
+              <a:spcAft>
+                <a:spcPts val="600"/>
+              </a:spcAft>
+              <a:buFont typeface="Wingdings" pitchFamily="2" charset="2"/>
+              <a:buChar char="§"/>
+            </a:pPr>
+            <a:r>
+              <a:rPr lang="en-US" dirty="0" smtClean="0"/>
+              <a:t> </a:t>
+            </a:r>
+            <a:r>
+              <a:rPr lang="en-US" sz="1200" dirty="0" smtClean="0">
+                <a:latin typeface="Lato" charset="0"/>
+              </a:rPr>
+              <a:t>Metal and rock have high energy. I observed a large number metal, pop and rock songs in clusters 0 and 2</a:t>
+            </a:r>
+          </a:p>
+          <a:p>
+            <a:pPr>
+              <a:spcAft>
+                <a:spcPts val="600"/>
+              </a:spcAft>
+              <a:buFont typeface="Wingdings" pitchFamily="2" charset="2"/>
+              <a:buChar char="§"/>
+            </a:pPr>
+            <a:r>
+              <a:rPr lang="en-US" sz="1200" dirty="0" smtClean="0">
+                <a:latin typeface="Lato" charset="0"/>
+              </a:rPr>
+              <a:t> Classical, jazz and blues have low energy. I observed a large number of classical and jazz songs in cluster 3</a:t>
+            </a:r>
+            <a:endParaRPr lang="en-US" sz="1200" dirty="0" smtClean="0">
+              <a:latin typeface="Lato" charset="0"/>
+            </a:endParaRPr>
+          </a:p>
+        </p:txBody>
+      </p:sp>
+      <p:sp>
+        <p:nvSpPr>
+          <p:cNvPr id="13" name="TextBox 12"/>
+          <p:cNvSpPr txBox="1"/>
+          <p:nvPr/>
+        </p:nvSpPr>
+        <p:spPr>
+          <a:xfrm>
+            <a:off x="695093" y="3460596"/>
+            <a:ext cx="2750633" cy="461665"/>
+          </a:xfrm>
+          <a:prstGeom prst="rect">
+            <a:avLst/>
+          </a:prstGeom>
+          <a:noFill/>
+        </p:spPr>
+        <p:txBody>
+          <a:bodyPr wrap="square" rtlCol="0">
+            <a:spAutoFit/>
+          </a:bodyPr>
+          <a:lstStyle/>
+          <a:p>
+            <a:pPr>
+              <a:spcAft>
+                <a:spcPts val="600"/>
+              </a:spcAft>
+              <a:buFont typeface="Wingdings" pitchFamily="2" charset="2"/>
+              <a:buChar char="§"/>
+            </a:pPr>
+            <a:r>
+              <a:rPr lang="en-US" sz="1200" dirty="0" smtClean="0">
+                <a:latin typeface="Lato" charset="0"/>
+              </a:rPr>
+              <a:t> Cluster 3 appears to have the lowest energy</a:t>
+            </a:r>
+            <a:endParaRPr lang="en-US" sz="1200" dirty="0" smtClean="0">
+              <a:latin typeface="Lato" charset="0"/>
+            </a:endParaRPr>
+          </a:p>
+        </p:txBody>
+      </p:sp>
     </p:spTree>
   </p:cSld>
   <p:clrMapOvr>
@@ -10888,19 +11609,7 @@
                 <a:cs typeface="Lato"/>
                 <a:sym typeface="Lato"/>
               </a:rPr>
-              <a:t>Speechiness </a:t>
-            </a:r>
-            <a:r>
-              <a:rPr lang="en-US" sz="2000" b="1" dirty="0" smtClean="0">
-                <a:solidFill>
-                  <a:srgbClr val="FFFFFF"/>
-                </a:solidFill>
-                <a:latin typeface="Lato"/>
-                <a:ea typeface="Lato"/>
-                <a:cs typeface="Lato"/>
-                <a:sym typeface="Lato"/>
-              </a:rPr>
-              <a:t>scores for each of the music genres</a:t>
+              <a:t>Grouping by speechiness</a:t>
             </a:r>
             <a:endParaRPr lang="en-US" sz="2000" b="1" dirty="0">
               <a:solidFill>
@@ -10959,7 +11668,7 @@
       </p:sp>
       <p:pic>
         <p:nvPicPr>
-          <p:cNvPr id="7" name="Picture 6" descr="danceability2.png"/>
+          <p:cNvPr id="10" name="Picture 9" descr="danceability2.png"/>
           <p:cNvPicPr>
             <a:picLocks noChangeAspect="1"/>
           </p:cNvPicPr>
@@ -10973,14 +11682,142 @@
         </p:blipFill>
         <p:spPr>
           <a:xfrm>
-            <a:off x="1631228" y="799416"/>
-            <a:ext cx="5334000" cy="3328045"/>
+            <a:off x="4884234" y="540138"/>
+            <a:ext cx="4259766" cy="2738421"/>
           </a:xfrm>
           <a:prstGeom prst="rect">
             <a:avLst/>
           </a:prstGeom>
         </p:spPr>
       </p:pic>
+      <p:pic>
+        <p:nvPicPr>
+          <p:cNvPr id="11" name="Picture 10" descr="danceability3.png"/>
+          <p:cNvPicPr>
+            <a:picLocks noChangeAspect="1"/>
+          </p:cNvPicPr>
+          <p:nvPr/>
+        </p:nvPicPr>
+        <p:blipFill>
+          <a:blip r:embed="rId4"/>
+          <a:stretch>
+            <a:fillRect/>
+          </a:stretch>
+        </p:blipFill>
+        <p:spPr>
+          <a:xfrm>
+            <a:off x="108693" y="535257"/>
+            <a:ext cx="4440666" cy="2854714"/>
+          </a:xfrm>
+          <a:prstGeom prst="rect">
+            <a:avLst/>
+          </a:prstGeom>
+        </p:spPr>
+      </p:pic>
+      <p:sp>
+        <p:nvSpPr>
+          <p:cNvPr id="12" name="TextBox 11"/>
+          <p:cNvSpPr txBox="1"/>
+          <p:nvPr/>
+        </p:nvSpPr>
+        <p:spPr>
+          <a:xfrm>
+            <a:off x="5545872" y="3375102"/>
+            <a:ext cx="2750633" cy="1308050"/>
+          </a:xfrm>
+          <a:prstGeom prst="rect">
+            <a:avLst/>
+          </a:prstGeom>
+          <a:noFill/>
+        </p:spPr>
+        <p:txBody>
+          <a:bodyPr wrap="square" rtlCol="0">
+            <a:spAutoFit/>
+          </a:bodyPr>
+          <a:lstStyle/>
+          <a:p>
+            <a:pPr>
+              <a:spcAft>
+                <a:spcPts val="600"/>
+              </a:spcAft>
+              <a:buFont typeface="Wingdings" pitchFamily="2" charset="2"/>
+              <a:buChar char="§"/>
+            </a:pPr>
+            <a:r>
+              <a:rPr lang="en-US" dirty="0" smtClean="0"/>
+              <a:t> </a:t>
+            </a:r>
+            <a:r>
+              <a:rPr lang="en-US" sz="1200" dirty="0" smtClean="0">
+                <a:latin typeface="Lato" charset="0"/>
+              </a:rPr>
+              <a:t>Hip hop has high speechiness. I observed a large number of hip hop songs in cluster 0.</a:t>
+            </a:r>
+          </a:p>
+          <a:p>
+            <a:pPr>
+              <a:spcAft>
+                <a:spcPts val="600"/>
+              </a:spcAft>
+              <a:buFont typeface="Wingdings" pitchFamily="2" charset="2"/>
+              <a:buChar char="§"/>
+            </a:pPr>
+            <a:r>
+              <a:rPr lang="en-US" sz="1200" dirty="0" smtClean="0">
+                <a:latin typeface="Lato" charset="0"/>
+              </a:rPr>
+              <a:t> </a:t>
+            </a:r>
+            <a:r>
+              <a:rPr lang="en-US" sz="1200" dirty="0" smtClean="0">
+                <a:latin typeface="Lato" charset="0"/>
+              </a:rPr>
+              <a:t>The rest of the genres have low speechiness. Not many of those songs were in cluster 0.</a:t>
+            </a:r>
+            <a:endParaRPr lang="en-US" sz="1200" dirty="0" smtClean="0">
+              <a:latin typeface="Lato" charset="0"/>
+            </a:endParaRPr>
+          </a:p>
+        </p:txBody>
+      </p:sp>
+      <p:sp>
+        <p:nvSpPr>
+          <p:cNvPr id="13" name="TextBox 12"/>
+          <p:cNvSpPr txBox="1"/>
+          <p:nvPr/>
+        </p:nvSpPr>
+        <p:spPr>
+          <a:xfrm>
+            <a:off x="695093" y="3460596"/>
+            <a:ext cx="2750633" cy="461665"/>
+          </a:xfrm>
+          <a:prstGeom prst="rect">
+            <a:avLst/>
+          </a:prstGeom>
+          <a:noFill/>
+        </p:spPr>
+        <p:txBody>
+          <a:bodyPr wrap="square" rtlCol="0">
+            <a:spAutoFit/>
+          </a:bodyPr>
+          <a:lstStyle/>
+          <a:p>
+            <a:pPr>
+              <a:spcAft>
+                <a:spcPts val="600"/>
+              </a:spcAft>
+              <a:buFont typeface="Wingdings" pitchFamily="2" charset="2"/>
+              <a:buChar char="§"/>
+            </a:pPr>
+            <a:r>
+              <a:rPr lang="en-US" sz="1200" dirty="0" smtClean="0">
+                <a:latin typeface="Lato" charset="0"/>
+              </a:rPr>
+              <a:t> Cluster 0 appears to have the highest speechiness</a:t>
+            </a:r>
+          </a:p>
+        </p:txBody>
+      </p:sp>
     </p:spTree>
   </p:cSld>
   <p:clrMapOvr>

--- a/presentation-of-findings-cap03.pptx
+++ b/presentation-of-findings-cap03.pptx
@@ -294,7 +294,7 @@
   </p:defaultTextStyle>
   <p:extLst>
     <p:ext uri="{EFAFB233-063F-42B5-8137-9DF3F51BA10A}">
-      <p15:sldGuideLst xmlns="" xmlns:mc="http://schemas.openxmlformats.org/markup-compatibility/2006" xmlns:mv="urn:schemas-microsoft-com:mac:vml" xmlns:c="http://schemas.openxmlformats.org/drawingml/2006/chart" xmlns:dgm="http://schemas.openxmlformats.org/drawingml/2006/diagram" xmlns:o="urn:schemas-microsoft-com:office:office" xmlns:v="urn:schemas-microsoft-com:vml" xmlns:pvml="urn:schemas-microsoft-com:office:powerpoint" xmlns:com="http://schemas.openxmlformats.org/drawingml/2006/compatibility" xmlns:p14="http://schemas.microsoft.com/office/powerpoint/2010/main" xmlns:p15="http://schemas.microsoft.com/office/powerpoint/2012/main" xmlns:ahyp="http://schemas.microsoft.com/office/drawing/2018/hyperlinkcolor">
+      <p15:sldGuideLst xmlns:ahyp="http://schemas.microsoft.com/office/drawing/2018/hyperlinkcolor" xmlns:p15="http://schemas.microsoft.com/office/powerpoint/2012/main" xmlns:p14="http://schemas.microsoft.com/office/powerpoint/2010/main" xmlns:com="http://schemas.openxmlformats.org/drawingml/2006/compatibility" xmlns:pvml="urn:schemas-microsoft-com:office:powerpoint" xmlns:v="urn:schemas-microsoft-com:vml" xmlns:o="urn:schemas-microsoft-com:office:office" xmlns:dgm="http://schemas.openxmlformats.org/drawingml/2006/diagram" xmlns:c="http://schemas.openxmlformats.org/drawingml/2006/chart" xmlns:mv="urn:schemas-microsoft-com:mac:vml" xmlns:mc="http://schemas.openxmlformats.org/markup-compatibility/2006" xmlns="">
         <p15:guide id="1" orient="horz" pos="1620">
           <p15:clr>
             <a:srgbClr val="A4A3A4"/>
@@ -2283,7 +2283,7 @@
             <a:fld id="{4421CBBC-0FE8-4C0F-838F-6E760AD84306}" type="datetimeFigureOut">
               <a:rPr lang="en-US" smtClean="0"/>
               <a:pPr/>
-              <a:t>10/16/2020</a:t>
+              <a:t>10/19/2020</a:t>
             </a:fld>
             <a:endParaRPr lang="en-US"/>
           </a:p>
@@ -2468,7 +2468,7 @@
             <a:fld id="{4421CBBC-0FE8-4C0F-838F-6E760AD84306}" type="datetimeFigureOut">
               <a:rPr lang="en-US" smtClean="0"/>
               <a:pPr/>
-              <a:t>10/16/2020</a:t>
+              <a:t>10/19/2020</a:t>
             </a:fld>
             <a:endParaRPr lang="en-US"/>
           </a:p>
@@ -2663,7 +2663,7 @@
             <a:fld id="{4421CBBC-0FE8-4C0F-838F-6E760AD84306}" type="datetimeFigureOut">
               <a:rPr lang="en-US" smtClean="0"/>
               <a:pPr/>
-              <a:t>10/16/2020</a:t>
+              <a:t>10/19/2020</a:t>
             </a:fld>
             <a:endParaRPr lang="en-US"/>
           </a:p>
@@ -4199,7 +4199,7 @@
             <a:fld id="{4421CBBC-0FE8-4C0F-838F-6E760AD84306}" type="datetimeFigureOut">
               <a:rPr lang="en-US" smtClean="0"/>
               <a:pPr/>
-              <a:t>10/16/2020</a:t>
+              <a:t>10/19/2020</a:t>
             </a:fld>
             <a:endParaRPr lang="en-US"/>
           </a:p>
@@ -4461,7 +4461,7 @@
             <a:fld id="{4421CBBC-0FE8-4C0F-838F-6E760AD84306}" type="datetimeFigureOut">
               <a:rPr lang="en-US" smtClean="0"/>
               <a:pPr/>
-              <a:t>10/16/2020</a:t>
+              <a:t>10/19/2020</a:t>
             </a:fld>
             <a:endParaRPr lang="en-US"/>
           </a:p>
@@ -4745,7 +4745,7 @@
             <a:fld id="{4421CBBC-0FE8-4C0F-838F-6E760AD84306}" type="datetimeFigureOut">
               <a:rPr lang="en-US" smtClean="0"/>
               <a:pPr/>
-              <a:t>10/16/2020</a:t>
+              <a:t>10/19/2020</a:t>
             </a:fld>
             <a:endParaRPr lang="en-US"/>
           </a:p>
@@ -5143,7 +5143,7 @@
             <a:fld id="{4421CBBC-0FE8-4C0F-838F-6E760AD84306}" type="datetimeFigureOut">
               <a:rPr lang="en-US" smtClean="0"/>
               <a:pPr/>
-              <a:t>10/16/2020</a:t>
+              <a:t>10/19/2020</a:t>
             </a:fld>
             <a:endParaRPr lang="en-US"/>
           </a:p>
@@ -5313,7 +5313,7 @@
             <a:fld id="{4421CBBC-0FE8-4C0F-838F-6E760AD84306}" type="datetimeFigureOut">
               <a:rPr lang="en-US" smtClean="0"/>
               <a:pPr/>
-              <a:t>10/16/2020</a:t>
+              <a:t>10/19/2020</a:t>
             </a:fld>
             <a:endParaRPr lang="en-US"/>
           </a:p>
@@ -5423,7 +5423,7 @@
             <a:fld id="{4421CBBC-0FE8-4C0F-838F-6E760AD84306}" type="datetimeFigureOut">
               <a:rPr lang="en-US" smtClean="0"/>
               <a:pPr/>
-              <a:t>10/16/2020</a:t>
+              <a:t>10/19/2020</a:t>
             </a:fld>
             <a:endParaRPr lang="en-US"/>
           </a:p>
@@ -5703,7 +5703,7 @@
             <a:fld id="{4421CBBC-0FE8-4C0F-838F-6E760AD84306}" type="datetimeFigureOut">
               <a:rPr lang="en-US" smtClean="0"/>
               <a:pPr/>
-              <a:t>10/16/2020</a:t>
+              <a:t>10/19/2020</a:t>
             </a:fld>
             <a:endParaRPr lang="en-US"/>
           </a:p>
@@ -6011,7 +6011,7 @@
             <a:fld id="{4421CBBC-0FE8-4C0F-838F-6E760AD84306}" type="datetimeFigureOut">
               <a:rPr lang="en-US" smtClean="0"/>
               <a:pPr/>
-              <a:t>10/16/2020</a:t>
+              <a:t>10/19/2020</a:t>
             </a:fld>
             <a:endParaRPr lang="en-US"/>
           </a:p>
@@ -6802,7 +6802,7 @@
             <a:fld id="{4421CBBC-0FE8-4C0F-838F-6E760AD84306}" type="datetimeFigureOut">
               <a:rPr lang="en-US" smtClean="0"/>
               <a:pPr/>
-              <a:t>10/16/2020</a:t>
+              <a:t>10/19/2020</a:t>
             </a:fld>
             <a:endParaRPr lang="en-US"/>
           </a:p>
@@ -7494,31 +7494,7 @@
                 <a:cs typeface="Raleway Thin"/>
                 <a:sym typeface="Raleway Thin"/>
               </a:rPr>
-              <a:t>Spotify Music </a:t>
-            </a:r>
-            <a:r>
-              <a:rPr lang="en" sz="5400" dirty="0" smtClean="0">
-                <a:solidFill>
-                  <a:schemeClr val="accent3"/>
-                </a:solidFill>
-                <a:latin typeface="Raleway Thin" charset="0"/>
-                <a:ea typeface="Raleway Thin"/>
-                <a:cs typeface="Raleway Thin"/>
-                <a:sym typeface="Raleway Thin"/>
-              </a:rPr>
-              <a:t>Cluster </a:t>
-            </a:r>
-            <a:r>
-              <a:rPr lang="en" sz="5400" dirty="0" smtClean="0">
-                <a:solidFill>
-                  <a:schemeClr val="accent3"/>
-                </a:solidFill>
-                <a:latin typeface="Raleway Thin" charset="0"/>
-                <a:ea typeface="Raleway Thin"/>
-                <a:cs typeface="Raleway Thin"/>
-                <a:sym typeface="Raleway Thin"/>
-              </a:rPr>
-              <a:t>Analysis</a:t>
+              <a:t>Spotify Music Cluster Analysis</a:t>
             </a:r>
             <a:endParaRPr sz="5400" dirty="0">
               <a:solidFill>
@@ -7701,13 +7677,6 @@
               </a:rPr>
               <a:t>Many of the clusters had a very diverse population of all of the genres</a:t>
             </a:r>
-            <a:endParaRPr lang="en" sz="1800" dirty="0" smtClean="0">
-              <a:solidFill>
-                <a:srgbClr val="FFFFFF"/>
-              </a:solidFill>
-              <a:latin typeface="Lato"/>
-              <a:sym typeface="Lato"/>
-            </a:endParaRPr>
           </a:p>
           <a:p>
             <a:pPr marL="457200" indent="-274320">
@@ -7748,11 +7717,6 @@
               </a:rPr>
               <a:t>Audio features are the best way to group musical performers</a:t>
             </a:r>
-            <a:endParaRPr lang="en-US" sz="1800" dirty="0" smtClean="0">
-              <a:solidFill>
-                <a:schemeClr val="bg1"/>
-              </a:solidFill>
-            </a:endParaRPr>
           </a:p>
           <a:p>
             <a:pPr marL="457200" indent="-274320">
@@ -7775,13 +7739,6 @@
               </a:rPr>
               <a:t>It  is difficult to group musical performers by genre given the audio features.</a:t>
             </a:r>
-            <a:endParaRPr lang="en" sz="1800" dirty="0" smtClean="0">
-              <a:solidFill>
-                <a:srgbClr val="FFFFFF"/>
-              </a:solidFill>
-              <a:latin typeface="Lato"/>
-              <a:sym typeface="Lato"/>
-            </a:endParaRPr>
           </a:p>
         </p:txBody>
       </p:sp>
@@ -8225,27 +8182,7 @@
                 <a:latin typeface="Lato"/>
                 <a:sym typeface="Lato"/>
               </a:rPr>
-              <a:t>This </a:t>
-            </a:r>
-            <a:r>
-              <a:rPr lang="en" sz="1800" dirty="0" smtClean="0">
-                <a:solidFill>
-                  <a:srgbClr val="FFFFFF"/>
-                </a:solidFill>
-                <a:latin typeface="Lato"/>
-                <a:sym typeface="Lato"/>
-              </a:rPr>
-              <a:t>data can be used by music festival promoters, such as Bonaroo and other diverse music </a:t>
-            </a:r>
-            <a:r>
-              <a:rPr lang="en" sz="1800" dirty="0" smtClean="0">
-                <a:solidFill>
-                  <a:srgbClr val="FFFFFF"/>
-                </a:solidFill>
-                <a:latin typeface="Lato"/>
-                <a:sym typeface="Lato"/>
-              </a:rPr>
-              <a:t>festivals</a:t>
+              <a:t>This data can be used by music festival promoters, such as Bonaroo and other diverse music festivals</a:t>
             </a:r>
           </a:p>
           <a:p>
@@ -8291,13 +8228,6 @@
               </a:rPr>
               <a:t>It doesn’t matter what genre is on what stage</a:t>
             </a:r>
-            <a:endParaRPr lang="en" sz="1800" dirty="0" smtClean="0">
-              <a:solidFill>
-                <a:srgbClr val="FFFFFF"/>
-              </a:solidFill>
-              <a:latin typeface="Lato"/>
-              <a:sym typeface="Lato"/>
-            </a:endParaRPr>
           </a:p>
         </p:txBody>
       </p:sp>
@@ -8760,7 +8690,7 @@
                   <a:srgbClr val="FFFFFF"/>
                 </a:highlight>
               </a:rPr>
-              <a:t>Question: </a:t>
+              <a:t>Question: Is there a way to cluster music and performers into groups by using the music genre or the musical audio features of a song as defined by Spotify</a:t>
             </a:r>
             <a:r>
               <a:rPr lang="en-US" sz="1200" dirty="0" smtClean="0">
@@ -8771,8 +8701,24 @@
                   <a:srgbClr val="FFFFFF"/>
                 </a:highlight>
               </a:rPr>
-              <a:t>Is there a way to cluster music and performers into groups by using th</a:t>
-            </a:r>
+              <a:t>?</a:t>
+            </a:r>
+          </a:p>
+          <a:p>
+            <a:pPr indent="-274320">
+              <a:lnSpc>
+                <a:spcPct val="150000"/>
+              </a:lnSpc>
+              <a:spcBef>
+                <a:spcPts val="600"/>
+              </a:spcBef>
+              <a:buClr>
+                <a:schemeClr val="dk1"/>
+              </a:buClr>
+              <a:buSzPct val="175000"/>
+              <a:buFont typeface="Arial" pitchFamily="34" charset="0"/>
+              <a:buChar char="•"/>
+            </a:pPr>
             <a:r>
               <a:rPr lang="en-US" sz="1200" dirty="0" smtClean="0">
                 <a:solidFill>
@@ -8782,7 +8728,7 @@
                   <a:srgbClr val="FFFFFF"/>
                 </a:highlight>
               </a:rPr>
-              <a:t>e music genre or the musical audio features of a song </a:t>
+              <a:t>Music genres </a:t>
             </a:r>
             <a:r>
               <a:rPr lang="en-US" sz="1200" dirty="0" smtClean="0">
@@ -8793,18 +8739,7 @@
                   <a:srgbClr val="FFFFFF"/>
                 </a:highlight>
               </a:rPr>
-              <a:t>as defined by </a:t>
-            </a:r>
-            <a:r>
-              <a:rPr lang="en-US" sz="1200" dirty="0" smtClean="0">
-                <a:solidFill>
-                  <a:schemeClr val="dk1"/>
-                </a:solidFill>
-                <a:highlight>
-                  <a:srgbClr val="FFFFFF"/>
-                </a:highlight>
-              </a:rPr>
-              <a:t>Spotify?</a:t>
+              <a:t>analyzed:</a:t>
             </a:r>
             <a:endParaRPr lang="en-US" sz="1200" dirty="0" smtClean="0">
               <a:solidFill>
@@ -8814,33 +8749,6 @@
                 <a:srgbClr val="FFFFFF"/>
               </a:highlight>
             </a:endParaRPr>
-          </a:p>
-          <a:p>
-            <a:pPr indent="-274320">
-              <a:lnSpc>
-                <a:spcPct val="150000"/>
-              </a:lnSpc>
-              <a:spcBef>
-                <a:spcPts val="600"/>
-              </a:spcBef>
-              <a:buClr>
-                <a:schemeClr val="dk1"/>
-              </a:buClr>
-              <a:buSzPct val="175000"/>
-              <a:buFont typeface="Arial" pitchFamily="34" charset="0"/>
-              <a:buChar char="•"/>
-            </a:pPr>
-            <a:r>
-              <a:rPr lang="en-US" sz="1200" dirty="0" smtClean="0">
-                <a:solidFill>
-                  <a:schemeClr val="dk1"/>
-                </a:solidFill>
-                <a:highlight>
-                  <a:srgbClr val="FFFFFF"/>
-                </a:highlight>
-              </a:rPr>
-              <a:t>Music genres analyzed:</a:t>
-            </a:r>
           </a:p>
         </p:txBody>
       </p:sp>
@@ -9567,29 +9475,7 @@
                   <a:srgbClr val="FFFFFF"/>
                 </a:highlight>
               </a:rPr>
-              <a:t>Musical </a:t>
-            </a:r>
-            <a:r>
-              <a:rPr lang="en-US" sz="1200" dirty="0" smtClean="0">
-                <a:solidFill>
-                  <a:schemeClr val="dk1"/>
-                </a:solidFill>
-                <a:highlight>
-                  <a:srgbClr val="FFFFFF"/>
-                </a:highlight>
-              </a:rPr>
-              <a:t>audio features </a:t>
-            </a:r>
-            <a:r>
-              <a:rPr lang="en-US" sz="1200" dirty="0" smtClean="0">
-                <a:solidFill>
-                  <a:schemeClr val="dk1"/>
-                </a:solidFill>
-                <a:highlight>
-                  <a:srgbClr val="FFFFFF"/>
-                </a:highlight>
-              </a:rPr>
-              <a:t>analyzed:</a:t>
+              <a:t>Musical audio features analyzed:</a:t>
             </a:r>
           </a:p>
         </p:txBody>
@@ -9657,19 +9543,7 @@
               <a:rPr lang="en-US" sz="1000" dirty="0" smtClean="0">
                 <a:latin typeface="+mn-lt"/>
               </a:rPr>
-              <a:t>ow suitable </a:t>
-            </a:r>
-            <a:r>
-              <a:rPr lang="en-US" sz="1000" dirty="0" smtClean="0">
-                <a:latin typeface="+mn-lt"/>
-              </a:rPr>
-              <a:t>a track is for dancing based on a combination of musical elements including </a:t>
-            </a:r>
-            <a:r>
-              <a:rPr lang="en-US" sz="1000" dirty="0" smtClean="0">
-                <a:latin typeface="+mn-lt"/>
-              </a:rPr>
-              <a:t>tempo, etc.</a:t>
+              <a:t>ow suitable a track is for dancing based on a combination of musical elements including tempo, etc.</a:t>
             </a:r>
             <a:endParaRPr lang="en-US" sz="1000" kern="1200" noProof="0" dirty="0" smtClean="0">
               <a:solidFill>
@@ -9730,13 +9604,7 @@
               <a:rPr lang="en-US" sz="1000" dirty="0" smtClean="0">
                 <a:latin typeface="+mn-lt"/>
               </a:rPr>
-              <a:t> </a:t>
-            </a:r>
-            <a:r>
-              <a:rPr lang="en-US" sz="1000" dirty="0" smtClean="0">
-                <a:latin typeface="+mn-lt"/>
-              </a:rPr>
-              <a:t>perceptual measure of intensity and activity.</a:t>
+              <a:t> perceptual measure of intensity and activity.</a:t>
             </a:r>
             <a:endParaRPr kumimoji="0" lang="en-US" sz="1000" b="0" i="0" u="none" strike="noStrike" kern="1200" cap="none" spc="0" normalizeH="0" baseline="0" dirty="0" smtClean="0">
               <a:ln>
@@ -9837,11 +9705,7 @@
             </a:r>
             <a:r>
               <a:rPr lang="en-US" sz="1000" dirty="0" smtClean="0"/>
-              <a:t>redicts </a:t>
-            </a:r>
-            <a:r>
-              <a:rPr lang="en-US" sz="1000" dirty="0" smtClean="0"/>
-              <a:t>whether a track contains no vocals</a:t>
+              <a:t>redicts whether a track contains no vocals</a:t>
             </a:r>
             <a:endParaRPr lang="en-US" sz="1000" kern="1200" dirty="0" smtClean="0">
               <a:solidFill>
@@ -9882,11 +9746,7 @@
             </a:r>
             <a:r>
               <a:rPr lang="en-US" sz="1000" dirty="0" smtClean="0"/>
-              <a:t>detects </a:t>
-            </a:r>
-            <a:r>
-              <a:rPr lang="en-US" sz="1000" dirty="0" smtClean="0"/>
-              <a:t>the presence of spoken words in a track</a:t>
+              <a:t>detects the presence of spoken words in a track</a:t>
             </a:r>
             <a:endParaRPr lang="en-US" sz="1000" kern="1200" dirty="0" smtClean="0">
               <a:solidFill>
@@ -10011,7 +9871,7 @@
             </a:r>
           </a:p>
           <a:p>
-            <a:pPr marL="457200" lvl="0" indent="-336550">
+            <a:pPr marL="457200" lvl="1" indent="-336550">
               <a:buClr>
                 <a:srgbClr val="FFFFFF"/>
               </a:buClr>
@@ -10033,7 +9893,7 @@
             </a:r>
           </a:p>
           <a:p>
-            <a:pPr marL="457200" lvl="0" indent="-336550">
+            <a:pPr marL="457200" lvl="1" indent="-336550">
               <a:lnSpc>
                 <a:spcPct val="150000"/>
               </a:lnSpc>
@@ -10058,7 +9918,7 @@
             </a:r>
           </a:p>
           <a:p>
-            <a:pPr marL="457200" lvl="0" indent="-336550">
+            <a:pPr marL="457200" lvl="1" indent="-336550">
               <a:lnSpc>
                 <a:spcPct val="150000"/>
               </a:lnSpc>
@@ -10080,7 +9940,7 @@
             </a:endParaRPr>
           </a:p>
           <a:p>
-            <a:pPr marL="457200" lvl="0" indent="-336550">
+            <a:pPr marL="457200" lvl="1" indent="-336550">
               <a:lnSpc>
                 <a:spcPct val="150000"/>
               </a:lnSpc>
@@ -10102,7 +9962,7 @@
             </a:endParaRPr>
           </a:p>
           <a:p>
-            <a:pPr marL="457200" lvl="0" indent="-336550">
+            <a:pPr marL="457200" lvl="1" indent="-336550">
               <a:lnSpc>
                 <a:spcPct val="150000"/>
               </a:lnSpc>
@@ -10124,7 +9984,7 @@
             </a:endParaRPr>
           </a:p>
           <a:p>
-            <a:pPr marL="457200" lvl="0" indent="-336550">
+            <a:pPr marL="457200" lvl="1" indent="-336550">
               <a:lnSpc>
                 <a:spcPct val="150000"/>
               </a:lnSpc>
@@ -10146,7 +10006,7 @@
             </a:endParaRPr>
           </a:p>
           <a:p>
-            <a:pPr marL="457200" lvl="0" indent="-336550">
+            <a:pPr marL="457200" lvl="1" indent="-336550">
               <a:lnSpc>
                 <a:spcPct val="150000"/>
               </a:lnSpc>
@@ -10168,7 +10028,7 @@
             </a:endParaRPr>
           </a:p>
           <a:p>
-            <a:pPr marL="457200" lvl="0" indent="-336550">
+            <a:pPr marL="457200" lvl="1" indent="-336550">
               <a:lnSpc>
                 <a:spcPct val="150000"/>
               </a:lnSpc>
@@ -10188,7 +10048,7 @@
             </a:endParaRPr>
           </a:p>
           <a:p>
-            <a:pPr marL="457200" lvl="0" indent="-336550">
+            <a:pPr marL="457200" lvl="1" indent="-336550">
               <a:lnSpc>
                 <a:spcPct val="150000"/>
               </a:lnSpc>
@@ -10209,19 +10069,7 @@
                 <a:cs typeface="Lato"/>
                 <a:sym typeface="Lato"/>
               </a:rPr>
-              <a:t>This file also contains information about the individual songs such as the levels of certain musical traits (danceability, speechiness, etc).  These levels are also defined </a:t>
-            </a:r>
-            <a:r>
-              <a:rPr lang="en-US" dirty="0" smtClean="0">
-                <a:solidFill>
-                  <a:srgbClr val="FFFFFF"/>
-                </a:solidFill>
-                <a:latin typeface="Lato"/>
-                <a:ea typeface="Lato"/>
-                <a:cs typeface="Lato"/>
-                <a:sym typeface="Lato"/>
-              </a:rPr>
-              <a:t>by Spotify.</a:t>
+              <a:t>This file also contains information about the individual songs such as the levels of certain musical traits (danceability, speechiness, etc).  These levels are also defined by Spotify.</a:t>
             </a:r>
             <a:endParaRPr lang="en-US" dirty="0" smtClean="0">
               <a:solidFill>
@@ -10235,7 +10083,7 @@
             </a:endParaRPr>
           </a:p>
           <a:p>
-            <a:pPr marL="457200" lvl="0" indent="-336550">
+            <a:pPr marL="457200" lvl="1" indent="-336550">
               <a:lnSpc>
                 <a:spcPct val="150000"/>
               </a:lnSpc>
@@ -10465,12 +10313,6 @@
               </a:rPr>
               <a:t>Audio Features</a:t>
             </a:r>
-            <a:endParaRPr lang="en-US" sz="1600" b="1" u="sng" dirty="0" smtClean="0">
-              <a:solidFill>
-                <a:schemeClr val="bg1"/>
-              </a:solidFill>
-              <a:latin typeface="Lato" charset="0"/>
-            </a:endParaRPr>
           </a:p>
           <a:p>
             <a:pPr>
@@ -10487,16 +10329,7 @@
                 </a:solidFill>
                 <a:latin typeface="Lato" charset="0"/>
               </a:rPr>
-              <a:t> </a:t>
-            </a:r>
-            <a:r>
-              <a:rPr lang="en-US" sz="1600" dirty="0" smtClean="0">
-                <a:solidFill>
-                  <a:schemeClr val="bg1"/>
-                </a:solidFill>
-                <a:latin typeface="Lato" charset="0"/>
-              </a:rPr>
-              <a:t>Danceability</a:t>
+              <a:t> Danceability</a:t>
             </a:r>
           </a:p>
           <a:p>
@@ -10532,16 +10365,7 @@
                 </a:solidFill>
                 <a:latin typeface="Lato" charset="0"/>
               </a:rPr>
-              <a:t> </a:t>
-            </a:r>
-            <a:r>
-              <a:rPr lang="en-US" sz="1600" dirty="0" smtClean="0">
-                <a:solidFill>
-                  <a:schemeClr val="bg1"/>
-                </a:solidFill>
-                <a:latin typeface="Lato" charset="0"/>
-              </a:rPr>
-              <a:t>Mode</a:t>
+              <a:t> Mode</a:t>
             </a:r>
           </a:p>
           <a:p>
@@ -10579,12 +10403,6 @@
               </a:rPr>
               <a:t> Speechiness</a:t>
             </a:r>
-            <a:endParaRPr lang="en-US" sz="1600" dirty="0" smtClean="0">
-              <a:solidFill>
-                <a:schemeClr val="bg1"/>
-              </a:solidFill>
-              <a:latin typeface="Lato" charset="0"/>
-            </a:endParaRPr>
           </a:p>
         </p:txBody>
       </p:sp>
@@ -10633,19 +10451,7 @@
                 <a:cs typeface="Lato"/>
                 <a:sym typeface="Lato"/>
               </a:rPr>
-              <a:t>A sample of 10000 records were used for the clustering models and </a:t>
-            </a:r>
-            <a:r>
-              <a:rPr lang="en" sz="1600" noProof="0" dirty="0" smtClean="0">
-                <a:solidFill>
-                  <a:schemeClr val="bg1"/>
-                </a:solidFill>
-                <a:latin typeface="Lato"/>
-                <a:ea typeface="Lato"/>
-                <a:cs typeface="Lato"/>
-                <a:sym typeface="Lato"/>
-              </a:rPr>
-              <a:t>analysis</a:t>
+              <a:t>A sample of 10000 records were used for the clustering models and analysis</a:t>
             </a:r>
           </a:p>
           <a:p>
@@ -10809,16 +10615,7 @@
                 </a:solidFill>
                 <a:latin typeface="Lato" charset="0"/>
               </a:rPr>
-              <a:t> </a:t>
-            </a:r>
-            <a:r>
-              <a:rPr lang="en-US" sz="1600" dirty="0" smtClean="0">
-                <a:solidFill>
-                  <a:schemeClr val="bg1"/>
-                </a:solidFill>
-                <a:latin typeface="Lato" charset="0"/>
-              </a:rPr>
-              <a:t>Hierarchical</a:t>
+              <a:t> Hierarchical</a:t>
             </a:r>
           </a:p>
           <a:p>
@@ -10838,12 +10635,6 @@
               </a:rPr>
               <a:t>UMAP</a:t>
             </a:r>
-            <a:endParaRPr lang="en-US" sz="1600" dirty="0" smtClean="0">
-              <a:solidFill>
-                <a:schemeClr val="bg1"/>
-              </a:solidFill>
-              <a:latin typeface="Lato" charset="0"/>
-            </a:endParaRPr>
           </a:p>
         </p:txBody>
       </p:sp>
@@ -11169,17 +10960,8 @@
               <a:rPr lang="en-US" sz="1200" dirty="0" smtClean="0">
                 <a:latin typeface="Lato" charset="0"/>
               </a:rPr>
-              <a:t> </a:t>
-            </a:r>
-            <a:r>
-              <a:rPr lang="en-US" sz="1200" dirty="0" smtClean="0">
-                <a:latin typeface="Lato" charset="0"/>
-              </a:rPr>
-              <a:t>Metal, classical and jazz have low danceability. I observed a large number of metal and jazz songs in cluster 3.</a:t>
-            </a:r>
-            <a:endParaRPr lang="en-US" sz="1200" dirty="0" smtClean="0">
-              <a:latin typeface="Lato" charset="0"/>
-            </a:endParaRPr>
+              <a:t> Metal, classical and jazz have low danceability. I observed a large number of metal and jazz songs in cluster 3.</a:t>
+            </a:r>
           </a:p>
         </p:txBody>
       </p:sp>
@@ -11231,17 +11013,8 @@
               <a:rPr lang="en-US" sz="1200" dirty="0" smtClean="0">
                 <a:latin typeface="Lato" charset="0"/>
               </a:rPr>
-              <a:t> </a:t>
-            </a:r>
-            <a:r>
-              <a:rPr lang="en-US" sz="1200" dirty="0" smtClean="0">
-                <a:latin typeface="Lato" charset="0"/>
-              </a:rPr>
-              <a:t>Cluster 3 appears to have the lowest danceability</a:t>
-            </a:r>
-            <a:endParaRPr lang="en-US" sz="1200" dirty="0" smtClean="0">
-              <a:latin typeface="Lato" charset="0"/>
-            </a:endParaRPr>
+              <a:t> Cluster 3 appears to have the lowest danceability</a:t>
+            </a:r>
           </a:p>
         </p:txBody>
       </p:sp>
@@ -11483,9 +11256,6 @@
               </a:rPr>
               <a:t> Classical, jazz and blues have low energy. I observed a large number of classical and jazz songs in cluster 3</a:t>
             </a:r>
-            <a:endParaRPr lang="en-US" sz="1200" dirty="0" smtClean="0">
-              <a:latin typeface="Lato" charset="0"/>
-            </a:endParaRPr>
           </a:p>
         </p:txBody>
       </p:sp>
@@ -11524,9 +11294,6 @@
               </a:rPr>
               <a:t> Cluster 3 appears to have the lowest energy</a:t>
             </a:r>
-            <a:endParaRPr lang="en-US" sz="1200" dirty="0" smtClean="0">
-              <a:latin typeface="Lato" charset="0"/>
-            </a:endParaRPr>
           </a:p>
         </p:txBody>
       </p:sp>
@@ -11766,17 +11533,8 @@
               <a:rPr lang="en-US" sz="1200" dirty="0" smtClean="0">
                 <a:latin typeface="Lato" charset="0"/>
               </a:rPr>
-              <a:t> </a:t>
-            </a:r>
-            <a:r>
-              <a:rPr lang="en-US" sz="1200" dirty="0" smtClean="0">
-                <a:latin typeface="Lato" charset="0"/>
-              </a:rPr>
-              <a:t>The rest of the genres have low speechiness. Not many of those songs were in cluster 0.</a:t>
-            </a:r>
-            <a:endParaRPr lang="en-US" sz="1200" dirty="0" smtClean="0">
-              <a:latin typeface="Lato" charset="0"/>
-            </a:endParaRPr>
+              <a:t> The rest of the genres have low speechiness. Not many of those songs were in cluster 0.</a:t>
+            </a:r>
           </a:p>
         </p:txBody>
       </p:sp>
